--- a/data/figure.pptx
+++ b/data/figure.pptx
@@ -262,7 +262,7 @@
           <a:p>
             <a:fld id="{B8C258F1-96C5-4ED4-B784-5A383B0F4D52}" type="datetimeFigureOut">
               <a:rPr lang="ko-KR" altLang="en-US" smtClean="0"/>
-              <a:t>2021-07-17</a:t>
+              <a:t>2021-07-29</a:t>
             </a:fld>
             <a:endParaRPr lang="ko-KR" altLang="en-US"/>
           </a:p>
@@ -460,7 +460,7 @@
           <a:p>
             <a:fld id="{B8C258F1-96C5-4ED4-B784-5A383B0F4D52}" type="datetimeFigureOut">
               <a:rPr lang="ko-KR" altLang="en-US" smtClean="0"/>
-              <a:t>2021-07-17</a:t>
+              <a:t>2021-07-29</a:t>
             </a:fld>
             <a:endParaRPr lang="ko-KR" altLang="en-US"/>
           </a:p>
@@ -668,7 +668,7 @@
           <a:p>
             <a:fld id="{B8C258F1-96C5-4ED4-B784-5A383B0F4D52}" type="datetimeFigureOut">
               <a:rPr lang="ko-KR" altLang="en-US" smtClean="0"/>
-              <a:t>2021-07-17</a:t>
+              <a:t>2021-07-29</a:t>
             </a:fld>
             <a:endParaRPr lang="ko-KR" altLang="en-US"/>
           </a:p>
@@ -866,7 +866,7 @@
           <a:p>
             <a:fld id="{B8C258F1-96C5-4ED4-B784-5A383B0F4D52}" type="datetimeFigureOut">
               <a:rPr lang="ko-KR" altLang="en-US" smtClean="0"/>
-              <a:t>2021-07-17</a:t>
+              <a:t>2021-07-29</a:t>
             </a:fld>
             <a:endParaRPr lang="ko-KR" altLang="en-US"/>
           </a:p>
@@ -1141,7 +1141,7 @@
           <a:p>
             <a:fld id="{B8C258F1-96C5-4ED4-B784-5A383B0F4D52}" type="datetimeFigureOut">
               <a:rPr lang="ko-KR" altLang="en-US" smtClean="0"/>
-              <a:t>2021-07-17</a:t>
+              <a:t>2021-07-29</a:t>
             </a:fld>
             <a:endParaRPr lang="ko-KR" altLang="en-US"/>
           </a:p>
@@ -1406,7 +1406,7 @@
           <a:p>
             <a:fld id="{B8C258F1-96C5-4ED4-B784-5A383B0F4D52}" type="datetimeFigureOut">
               <a:rPr lang="ko-KR" altLang="en-US" smtClean="0"/>
-              <a:t>2021-07-17</a:t>
+              <a:t>2021-07-29</a:t>
             </a:fld>
             <a:endParaRPr lang="ko-KR" altLang="en-US"/>
           </a:p>
@@ -1818,7 +1818,7 @@
           <a:p>
             <a:fld id="{B8C258F1-96C5-4ED4-B784-5A383B0F4D52}" type="datetimeFigureOut">
               <a:rPr lang="ko-KR" altLang="en-US" smtClean="0"/>
-              <a:t>2021-07-17</a:t>
+              <a:t>2021-07-29</a:t>
             </a:fld>
             <a:endParaRPr lang="ko-KR" altLang="en-US"/>
           </a:p>
@@ -1959,7 +1959,7 @@
           <a:p>
             <a:fld id="{B8C258F1-96C5-4ED4-B784-5A383B0F4D52}" type="datetimeFigureOut">
               <a:rPr lang="ko-KR" altLang="en-US" smtClean="0"/>
-              <a:t>2021-07-17</a:t>
+              <a:t>2021-07-29</a:t>
             </a:fld>
             <a:endParaRPr lang="ko-KR" altLang="en-US"/>
           </a:p>
@@ -2072,7 +2072,7 @@
           <a:p>
             <a:fld id="{B8C258F1-96C5-4ED4-B784-5A383B0F4D52}" type="datetimeFigureOut">
               <a:rPr lang="ko-KR" altLang="en-US" smtClean="0"/>
-              <a:t>2021-07-17</a:t>
+              <a:t>2021-07-29</a:t>
             </a:fld>
             <a:endParaRPr lang="ko-KR" altLang="en-US"/>
           </a:p>
@@ -2383,7 +2383,7 @@
           <a:p>
             <a:fld id="{B8C258F1-96C5-4ED4-B784-5A383B0F4D52}" type="datetimeFigureOut">
               <a:rPr lang="ko-KR" altLang="en-US" smtClean="0"/>
-              <a:t>2021-07-17</a:t>
+              <a:t>2021-07-29</a:t>
             </a:fld>
             <a:endParaRPr lang="ko-KR" altLang="en-US"/>
           </a:p>
@@ -2671,7 +2671,7 @@
           <a:p>
             <a:fld id="{B8C258F1-96C5-4ED4-B784-5A383B0F4D52}" type="datetimeFigureOut">
               <a:rPr lang="ko-KR" altLang="en-US" smtClean="0"/>
-              <a:t>2021-07-17</a:t>
+              <a:t>2021-07-29</a:t>
             </a:fld>
             <a:endParaRPr lang="ko-KR" altLang="en-US"/>
           </a:p>
@@ -2912,7 +2912,7 @@
           <a:p>
             <a:fld id="{B8C258F1-96C5-4ED4-B784-5A383B0F4D52}" type="datetimeFigureOut">
               <a:rPr lang="ko-KR" altLang="en-US" smtClean="0"/>
-              <a:t>2021-07-17</a:t>
+              <a:t>2021-07-29</a:t>
             </a:fld>
             <a:endParaRPr lang="ko-KR" altLang="en-US"/>
           </a:p>
@@ -3331,10 +3331,10 @@
       </p:grpSpPr>
       <p:grpSp>
         <p:nvGrpSpPr>
-          <p:cNvPr id="63" name="그룹 62">
+          <p:cNvPr id="3" name="그룹 2">
             <a:extLst>
               <a:ext uri="{FF2B5EF4-FFF2-40B4-BE49-F238E27FC236}">
-                <a16:creationId xmlns:a16="http://schemas.microsoft.com/office/drawing/2014/main" id="{8E82E021-1BC6-4A57-9B03-5C6531642012}"/>
+                <a16:creationId xmlns:a16="http://schemas.microsoft.com/office/drawing/2014/main" id="{556CFE42-63D4-4AE6-ACD0-348779175732}"/>
               </a:ext>
             </a:extLst>
           </p:cNvPr>
@@ -3343,48 +3343,18 @@
         </p:nvGrpSpPr>
         <p:grpSpPr>
           <a:xfrm>
-            <a:off x="0" y="58723"/>
+            <a:off x="209725" y="0"/>
             <a:ext cx="12356983" cy="6560192"/>
-            <a:chOff x="0" y="58723"/>
+            <a:chOff x="209725" y="0"/>
             <a:chExt cx="12356983" cy="6560192"/>
           </a:xfrm>
         </p:grpSpPr>
-        <p:pic>
-          <p:nvPicPr>
-            <p:cNvPr id="11" name="그림 10">
+        <p:grpSp>
+          <p:nvGrpSpPr>
+            <p:cNvPr id="63" name="그룹 62">
               <a:extLst>
                 <a:ext uri="{FF2B5EF4-FFF2-40B4-BE49-F238E27FC236}">
-                  <a16:creationId xmlns:a16="http://schemas.microsoft.com/office/drawing/2014/main" id="{CC6FC5B7-DDC0-400F-9966-5D333BDCA558}"/>
-                </a:ext>
-              </a:extLst>
-            </p:cNvPr>
-            <p:cNvPicPr>
-              <a:picLocks noChangeAspect="1"/>
-            </p:cNvPicPr>
-            <p:nvPr/>
-          </p:nvPicPr>
-          <p:blipFill>
-            <a:blip r:embed="rId2"/>
-            <a:stretch>
-              <a:fillRect/>
-            </a:stretch>
-          </p:blipFill>
-          <p:spPr>
-            <a:xfrm>
-              <a:off x="317201" y="1907739"/>
-              <a:ext cx="7159827" cy="351207"/>
-            </a:xfrm>
-            <a:prstGeom prst="rect">
-              <a:avLst/>
-            </a:prstGeom>
-          </p:spPr>
-        </p:pic>
-        <p:grpSp>
-          <p:nvGrpSpPr>
-            <p:cNvPr id="16" name="그룹 15">
-              <a:extLst>
-                <a:ext uri="{FF2B5EF4-FFF2-40B4-BE49-F238E27FC236}">
-                  <a16:creationId xmlns:a16="http://schemas.microsoft.com/office/drawing/2014/main" id="{98BA7A42-B28E-4C1B-84C8-89ADEACAEB17}"/>
+                  <a16:creationId xmlns:a16="http://schemas.microsoft.com/office/drawing/2014/main" id="{8E82E021-1BC6-4A57-9B03-5C6531642012}"/>
                 </a:ext>
               </a:extLst>
             </p:cNvPr>
@@ -3393,18 +3363,18 @@
           </p:nvGrpSpPr>
           <p:grpSpPr>
             <a:xfrm>
-              <a:off x="301166" y="2697933"/>
-              <a:ext cx="11640724" cy="335243"/>
-              <a:chOff x="-425611" y="3228975"/>
-              <a:chExt cx="13891045" cy="400050"/>
+              <a:off x="209725" y="0"/>
+              <a:ext cx="12356983" cy="6560192"/>
+              <a:chOff x="0" y="58723"/>
+              <a:chExt cx="12356983" cy="6560192"/>
             </a:xfrm>
           </p:grpSpPr>
           <p:pic>
             <p:nvPicPr>
-              <p:cNvPr id="13" name="그림 12">
+              <p:cNvPr id="11" name="그림 10">
                 <a:extLst>
                   <a:ext uri="{FF2B5EF4-FFF2-40B4-BE49-F238E27FC236}">
-                    <a16:creationId xmlns:a16="http://schemas.microsoft.com/office/drawing/2014/main" id="{FF4DF768-37C9-44BC-8C44-CF5C0151B719}"/>
+                    <a16:creationId xmlns:a16="http://schemas.microsoft.com/office/drawing/2014/main" id="{CC6FC5B7-DDC0-400F-9966-5D333BDCA558}"/>
                   </a:ext>
                 </a:extLst>
               </p:cNvPr>
@@ -3414,27 +3384,108 @@
               <p:nvPr/>
             </p:nvPicPr>
             <p:blipFill>
-              <a:blip r:embed="rId3"/>
+              <a:blip r:embed="rId2"/>
               <a:stretch>
                 <a:fillRect/>
               </a:stretch>
             </p:blipFill>
             <p:spPr>
               <a:xfrm>
-                <a:off x="-425611" y="3228975"/>
-                <a:ext cx="11477625" cy="400050"/>
+                <a:off x="317201" y="1907739"/>
+                <a:ext cx="7159827" cy="351207"/>
               </a:xfrm>
               <a:prstGeom prst="rect">
                 <a:avLst/>
               </a:prstGeom>
             </p:spPr>
           </p:pic>
+          <p:grpSp>
+            <p:nvGrpSpPr>
+              <p:cNvPr id="16" name="그룹 15">
+                <a:extLst>
+                  <a:ext uri="{FF2B5EF4-FFF2-40B4-BE49-F238E27FC236}">
+                    <a16:creationId xmlns:a16="http://schemas.microsoft.com/office/drawing/2014/main" id="{98BA7A42-B28E-4C1B-84C8-89ADEACAEB17}"/>
+                  </a:ext>
+                </a:extLst>
+              </p:cNvPr>
+              <p:cNvGrpSpPr/>
+              <p:nvPr/>
+            </p:nvGrpSpPr>
+            <p:grpSpPr>
+              <a:xfrm>
+                <a:off x="301166" y="2697933"/>
+                <a:ext cx="11640724" cy="335243"/>
+                <a:chOff x="-425611" y="3228975"/>
+                <a:chExt cx="13891045" cy="400050"/>
+              </a:xfrm>
+            </p:grpSpPr>
+            <p:pic>
+              <p:nvPicPr>
+                <p:cNvPr id="13" name="그림 12">
+                  <a:extLst>
+                    <a:ext uri="{FF2B5EF4-FFF2-40B4-BE49-F238E27FC236}">
+                      <a16:creationId xmlns:a16="http://schemas.microsoft.com/office/drawing/2014/main" id="{FF4DF768-37C9-44BC-8C44-CF5C0151B719}"/>
+                    </a:ext>
+                  </a:extLst>
+                </p:cNvPr>
+                <p:cNvPicPr>
+                  <a:picLocks noChangeAspect="1"/>
+                </p:cNvPicPr>
+                <p:nvPr/>
+              </p:nvPicPr>
+              <p:blipFill>
+                <a:blip r:embed="rId3"/>
+                <a:stretch>
+                  <a:fillRect/>
+                </a:stretch>
+              </p:blipFill>
+              <p:spPr>
+                <a:xfrm>
+                  <a:off x="-425611" y="3228975"/>
+                  <a:ext cx="11477625" cy="400050"/>
+                </a:xfrm>
+                <a:prstGeom prst="rect">
+                  <a:avLst/>
+                </a:prstGeom>
+              </p:spPr>
+            </p:pic>
+            <p:pic>
+              <p:nvPicPr>
+                <p:cNvPr id="15" name="그림 14">
+                  <a:extLst>
+                    <a:ext uri="{FF2B5EF4-FFF2-40B4-BE49-F238E27FC236}">
+                      <a16:creationId xmlns:a16="http://schemas.microsoft.com/office/drawing/2014/main" id="{CCFFFB0A-BB7A-410E-8F2B-41594780F451}"/>
+                    </a:ext>
+                  </a:extLst>
+                </p:cNvPr>
+                <p:cNvPicPr>
+                  <a:picLocks noChangeAspect="1"/>
+                </p:cNvPicPr>
+                <p:nvPr/>
+              </p:nvPicPr>
+              <p:blipFill>
+                <a:blip r:embed="rId4"/>
+                <a:stretch>
+                  <a:fillRect/>
+                </a:stretch>
+              </p:blipFill>
+              <p:spPr>
+                <a:xfrm>
+                  <a:off x="11017509" y="3246648"/>
+                  <a:ext cx="2447925" cy="361950"/>
+                </a:xfrm>
+                <a:prstGeom prst="rect">
+                  <a:avLst/>
+                </a:prstGeom>
+              </p:spPr>
+            </p:pic>
+          </p:grpSp>
           <p:pic>
             <p:nvPicPr>
-              <p:cNvPr id="15" name="그림 14">
+              <p:cNvPr id="18" name="그림 17">
                 <a:extLst>
                   <a:ext uri="{FF2B5EF4-FFF2-40B4-BE49-F238E27FC236}">
-                    <a16:creationId xmlns:a16="http://schemas.microsoft.com/office/drawing/2014/main" id="{CCFFFB0A-BB7A-410E-8F2B-41594780F451}"/>
+                    <a16:creationId xmlns:a16="http://schemas.microsoft.com/office/drawing/2014/main" id="{3C4307AA-53FB-4CC9-8C22-3C826BA49E41}"/>
                   </a:ext>
                 </a:extLst>
               </p:cNvPr>
@@ -3444,168 +3495,27 @@
               <p:nvPr/>
             </p:nvPicPr>
             <p:blipFill>
-              <a:blip r:embed="rId4"/>
+              <a:blip r:embed="rId5"/>
               <a:stretch>
                 <a:fillRect/>
               </a:stretch>
             </p:blipFill>
             <p:spPr>
               <a:xfrm>
-                <a:off x="11017509" y="3246648"/>
-                <a:ext cx="2447925" cy="361950"/>
+                <a:off x="317201" y="3472163"/>
+                <a:ext cx="8444924" cy="367171"/>
               </a:xfrm>
               <a:prstGeom prst="rect">
                 <a:avLst/>
               </a:prstGeom>
             </p:spPr>
           </p:pic>
-        </p:grpSp>
-        <p:pic>
-          <p:nvPicPr>
-            <p:cNvPr id="18" name="그림 17">
-              <a:extLst>
-                <a:ext uri="{FF2B5EF4-FFF2-40B4-BE49-F238E27FC236}">
-                  <a16:creationId xmlns:a16="http://schemas.microsoft.com/office/drawing/2014/main" id="{3C4307AA-53FB-4CC9-8C22-3C826BA49E41}"/>
-                </a:ext>
-              </a:extLst>
-            </p:cNvPr>
-            <p:cNvPicPr>
-              <a:picLocks noChangeAspect="1"/>
-            </p:cNvPicPr>
-            <p:nvPr/>
-          </p:nvPicPr>
-          <p:blipFill>
-            <a:blip r:embed="rId5"/>
-            <a:stretch>
-              <a:fillRect/>
-            </a:stretch>
-          </p:blipFill>
-          <p:spPr>
-            <a:xfrm>
-              <a:off x="317201" y="3472163"/>
-              <a:ext cx="8444924" cy="367171"/>
-            </a:xfrm>
-            <a:prstGeom prst="rect">
-              <a:avLst/>
-            </a:prstGeom>
-          </p:spPr>
-        </p:pic>
-        <p:pic>
-          <p:nvPicPr>
-            <p:cNvPr id="20" name="그림 19">
-              <a:extLst>
-                <a:ext uri="{FF2B5EF4-FFF2-40B4-BE49-F238E27FC236}">
-                  <a16:creationId xmlns:a16="http://schemas.microsoft.com/office/drawing/2014/main" id="{14FC1B2C-0B46-4DF5-BD64-E1CA3244351D}"/>
-                </a:ext>
-              </a:extLst>
-            </p:cNvPr>
-            <p:cNvPicPr>
-              <a:picLocks noChangeAspect="1"/>
-            </p:cNvPicPr>
-            <p:nvPr/>
-          </p:nvPicPr>
-          <p:blipFill>
-            <a:blip r:embed="rId6"/>
-            <a:stretch>
-              <a:fillRect/>
-            </a:stretch>
-          </p:blipFill>
-          <p:spPr>
-            <a:xfrm>
-              <a:off x="317201" y="4278321"/>
-              <a:ext cx="9179265" cy="279369"/>
-            </a:xfrm>
-            <a:prstGeom prst="rect">
-              <a:avLst/>
-            </a:prstGeom>
-          </p:spPr>
-        </p:pic>
-        <p:pic>
-          <p:nvPicPr>
-            <p:cNvPr id="22" name="그림 21">
-              <a:extLst>
-                <a:ext uri="{FF2B5EF4-FFF2-40B4-BE49-F238E27FC236}">
-                  <a16:creationId xmlns:a16="http://schemas.microsoft.com/office/drawing/2014/main" id="{6A7C1C4C-36EE-4E67-B5CB-DA0D01EC28CF}"/>
-                </a:ext>
-              </a:extLst>
-            </p:cNvPr>
-            <p:cNvPicPr>
-              <a:picLocks noChangeAspect="1"/>
-            </p:cNvPicPr>
-            <p:nvPr/>
-          </p:nvPicPr>
-          <p:blipFill>
-            <a:blip r:embed="rId7"/>
-            <a:stretch>
-              <a:fillRect/>
-            </a:stretch>
-          </p:blipFill>
-          <p:spPr>
-            <a:xfrm>
-              <a:off x="317201" y="4996677"/>
-              <a:ext cx="9187247" cy="335243"/>
-            </a:xfrm>
-            <a:prstGeom prst="rect">
-              <a:avLst/>
-            </a:prstGeom>
-          </p:spPr>
-        </p:pic>
-        <p:pic>
-          <p:nvPicPr>
-            <p:cNvPr id="24" name="그림 23">
-              <a:extLst>
-                <a:ext uri="{FF2B5EF4-FFF2-40B4-BE49-F238E27FC236}">
-                  <a16:creationId xmlns:a16="http://schemas.microsoft.com/office/drawing/2014/main" id="{F6345C1E-4E3D-4DEF-B30C-C1945CAEEFB1}"/>
-                </a:ext>
-              </a:extLst>
-            </p:cNvPr>
-            <p:cNvPicPr>
-              <a:picLocks noChangeAspect="1"/>
-            </p:cNvPicPr>
-            <p:nvPr/>
-          </p:nvPicPr>
-          <p:blipFill>
-            <a:blip r:embed="rId8"/>
-            <a:stretch>
-              <a:fillRect/>
-            </a:stretch>
-          </p:blipFill>
-          <p:spPr>
-            <a:xfrm>
-              <a:off x="301165" y="5770907"/>
-              <a:ext cx="9179265" cy="303315"/>
-            </a:xfrm>
-            <a:prstGeom prst="rect">
-              <a:avLst/>
-            </a:prstGeom>
-          </p:spPr>
-        </p:pic>
-        <p:grpSp>
-          <p:nvGrpSpPr>
-            <p:cNvPr id="43" name="그룹 42">
-              <a:extLst>
-                <a:ext uri="{FF2B5EF4-FFF2-40B4-BE49-F238E27FC236}">
-                  <a16:creationId xmlns:a16="http://schemas.microsoft.com/office/drawing/2014/main" id="{9FBDDC15-0716-41E6-962B-EB4CA10B6964}"/>
-                </a:ext>
-              </a:extLst>
-            </p:cNvPr>
-            <p:cNvGrpSpPr/>
-            <p:nvPr/>
-          </p:nvGrpSpPr>
-          <p:grpSpPr>
-            <a:xfrm>
-              <a:off x="317201" y="1165437"/>
-              <a:ext cx="8756221" cy="303315"/>
-              <a:chOff x="317201" y="1165437"/>
-              <a:chExt cx="8756221" cy="303315"/>
-            </a:xfrm>
-          </p:grpSpPr>
           <p:pic>
             <p:nvPicPr>
-              <p:cNvPr id="9" name="그림 8">
+              <p:cNvPr id="20" name="그림 19">
                 <a:extLst>
                   <a:ext uri="{FF2B5EF4-FFF2-40B4-BE49-F238E27FC236}">
-                    <a16:creationId xmlns:a16="http://schemas.microsoft.com/office/drawing/2014/main" id="{CCD44F30-3B15-4A89-BC5B-66B8A6033C17}"/>
+                    <a16:creationId xmlns:a16="http://schemas.microsoft.com/office/drawing/2014/main" id="{14FC1B2C-0B46-4DF5-BD64-E1CA3244351D}"/>
                   </a:ext>
                 </a:extLst>
               </p:cNvPr>
@@ -3615,728 +3525,1079 @@
               <p:nvPr/>
             </p:nvPicPr>
             <p:blipFill>
-              <a:blip r:embed="rId9"/>
+              <a:blip r:embed="rId6"/>
               <a:stretch>
                 <a:fillRect/>
               </a:stretch>
             </p:blipFill>
             <p:spPr>
               <a:xfrm>
-                <a:off x="317201" y="1165437"/>
-                <a:ext cx="8756221" cy="303315"/>
+                <a:off x="317201" y="4278321"/>
+                <a:ext cx="9179265" cy="279369"/>
               </a:xfrm>
               <a:prstGeom prst="rect">
                 <a:avLst/>
               </a:prstGeom>
             </p:spPr>
           </p:pic>
-          <p:cxnSp>
-            <p:nvCxnSpPr>
-              <p:cNvPr id="28" name="직선 연결선 27">
+          <p:pic>
+            <p:nvPicPr>
+              <p:cNvPr id="22" name="그림 21">
                 <a:extLst>
                   <a:ext uri="{FF2B5EF4-FFF2-40B4-BE49-F238E27FC236}">
-                    <a16:creationId xmlns:a16="http://schemas.microsoft.com/office/drawing/2014/main" id="{BD5FCF12-7B6D-40F3-B5CC-29466C32F8D5}"/>
+                    <a16:creationId xmlns:a16="http://schemas.microsoft.com/office/drawing/2014/main" id="{6A7C1C4C-36EE-4E67-B5CB-DA0D01EC28CF}"/>
                   </a:ext>
                 </a:extLst>
               </p:cNvPr>
-              <p:cNvCxnSpPr>
-                <a:cxnSpLocks/>
-              </p:cNvCxnSpPr>
+              <p:cNvPicPr>
+                <a:picLocks noChangeAspect="1"/>
+              </p:cNvPicPr>
               <p:nvPr/>
-            </p:nvCxnSpPr>
+            </p:nvPicPr>
+            <p:blipFill>
+              <a:blip r:embed="rId7"/>
+              <a:stretch>
+                <a:fillRect/>
+              </a:stretch>
+            </p:blipFill>
             <p:spPr>
               <a:xfrm>
-                <a:off x="5530702" y="1165437"/>
-                <a:ext cx="0" cy="252470"/>
+                <a:off x="317201" y="4996677"/>
+                <a:ext cx="9187247" cy="335243"/>
               </a:xfrm>
-              <a:prstGeom prst="line">
+              <a:prstGeom prst="rect">
                 <a:avLst/>
               </a:prstGeom>
-              <a:ln w="28575">
-                <a:solidFill>
+            </p:spPr>
+          </p:pic>
+          <p:pic>
+            <p:nvPicPr>
+              <p:cNvPr id="24" name="그림 23">
+                <a:extLst>
+                  <a:ext uri="{FF2B5EF4-FFF2-40B4-BE49-F238E27FC236}">
+                    <a16:creationId xmlns:a16="http://schemas.microsoft.com/office/drawing/2014/main" id="{F6345C1E-4E3D-4DEF-B30C-C1945CAEEFB1}"/>
+                  </a:ext>
+                </a:extLst>
+              </p:cNvPr>
+              <p:cNvPicPr>
+                <a:picLocks noChangeAspect="1"/>
+              </p:cNvPicPr>
+              <p:nvPr/>
+            </p:nvPicPr>
+            <p:blipFill>
+              <a:blip r:embed="rId8"/>
+              <a:stretch>
+                <a:fillRect/>
+              </a:stretch>
+            </p:blipFill>
+            <p:spPr>
+              <a:xfrm>
+                <a:off x="301165" y="5770907"/>
+                <a:ext cx="9179265" cy="303315"/>
+              </a:xfrm>
+              <a:prstGeom prst="rect">
+                <a:avLst/>
+              </a:prstGeom>
+            </p:spPr>
+          </p:pic>
+          <p:grpSp>
+            <p:nvGrpSpPr>
+              <p:cNvPr id="43" name="그룹 42">
+                <a:extLst>
+                  <a:ext uri="{FF2B5EF4-FFF2-40B4-BE49-F238E27FC236}">
+                    <a16:creationId xmlns:a16="http://schemas.microsoft.com/office/drawing/2014/main" id="{9FBDDC15-0716-41E6-962B-EB4CA10B6964}"/>
+                  </a:ext>
+                </a:extLst>
+              </p:cNvPr>
+              <p:cNvGrpSpPr/>
+              <p:nvPr/>
+            </p:nvGrpSpPr>
+            <p:grpSpPr>
+              <a:xfrm>
+                <a:off x="317201" y="1165437"/>
+                <a:ext cx="8756221" cy="303315"/>
+                <a:chOff x="317201" y="1165437"/>
+                <a:chExt cx="8756221" cy="303315"/>
+              </a:xfrm>
+            </p:grpSpPr>
+            <p:pic>
+              <p:nvPicPr>
+                <p:cNvPr id="9" name="그림 8">
+                  <a:extLst>
+                    <a:ext uri="{FF2B5EF4-FFF2-40B4-BE49-F238E27FC236}">
+                      <a16:creationId xmlns:a16="http://schemas.microsoft.com/office/drawing/2014/main" id="{CCD44F30-3B15-4A89-BC5B-66B8A6033C17}"/>
+                    </a:ext>
+                  </a:extLst>
+                </p:cNvPr>
+                <p:cNvPicPr>
+                  <a:picLocks noChangeAspect="1"/>
+                </p:cNvPicPr>
+                <p:nvPr/>
+              </p:nvPicPr>
+              <p:blipFill>
+                <a:blip r:embed="rId9"/>
+                <a:stretch>
+                  <a:fillRect/>
+                </a:stretch>
+              </p:blipFill>
+              <p:spPr>
+                <a:xfrm>
+                  <a:off x="317201" y="1165437"/>
+                  <a:ext cx="8756221" cy="303315"/>
+                </a:xfrm>
+                <a:prstGeom prst="rect">
+                  <a:avLst/>
+                </a:prstGeom>
+              </p:spPr>
+            </p:pic>
+            <p:cxnSp>
+              <p:nvCxnSpPr>
+                <p:cNvPr id="28" name="직선 연결선 27">
+                  <a:extLst>
+                    <a:ext uri="{FF2B5EF4-FFF2-40B4-BE49-F238E27FC236}">
+                      <a16:creationId xmlns:a16="http://schemas.microsoft.com/office/drawing/2014/main" id="{BD5FCF12-7B6D-40F3-B5CC-29466C32F8D5}"/>
+                    </a:ext>
+                  </a:extLst>
+                </p:cNvPr>
+                <p:cNvCxnSpPr>
+                  <a:cxnSpLocks/>
+                </p:cNvCxnSpPr>
+                <p:nvPr/>
+              </p:nvCxnSpPr>
+              <p:spPr>
+                <a:xfrm>
+                  <a:off x="5530702" y="1165437"/>
+                  <a:ext cx="0" cy="252470"/>
+                </a:xfrm>
+                <a:prstGeom prst="line">
+                  <a:avLst/>
+                </a:prstGeom>
+                <a:ln w="28575">
+                  <a:solidFill>
+                    <a:schemeClr val="tx1"/>
+                  </a:solidFill>
+                </a:ln>
+              </p:spPr>
+              <p:style>
+                <a:lnRef idx="1">
+                  <a:schemeClr val="accent1"/>
+                </a:lnRef>
+                <a:fillRef idx="0">
+                  <a:schemeClr val="accent1"/>
+                </a:fillRef>
+                <a:effectRef idx="0">
+                  <a:schemeClr val="accent1"/>
+                </a:effectRef>
+                <a:fontRef idx="minor">
                   <a:schemeClr val="tx1"/>
-                </a:solidFill>
-              </a:ln>
+                </a:fontRef>
+              </p:style>
+            </p:cxnSp>
+            <p:cxnSp>
+              <p:nvCxnSpPr>
+                <p:cNvPr id="40" name="직선 연결선 39">
+                  <a:extLst>
+                    <a:ext uri="{FF2B5EF4-FFF2-40B4-BE49-F238E27FC236}">
+                      <a16:creationId xmlns:a16="http://schemas.microsoft.com/office/drawing/2014/main" id="{3594C34E-F9CB-4668-9E80-04F62F4C2961}"/>
+                    </a:ext>
+                  </a:extLst>
+                </p:cNvPr>
+                <p:cNvCxnSpPr>
+                  <a:cxnSpLocks/>
+                </p:cNvCxnSpPr>
+                <p:nvPr/>
+              </p:nvCxnSpPr>
+              <p:spPr>
+                <a:xfrm>
+                  <a:off x="2071222" y="1165437"/>
+                  <a:ext cx="0" cy="252470"/>
+                </a:xfrm>
+                <a:prstGeom prst="line">
+                  <a:avLst/>
+                </a:prstGeom>
+                <a:ln w="28575">
+                  <a:solidFill>
+                    <a:schemeClr val="tx1"/>
+                  </a:solidFill>
+                </a:ln>
+              </p:spPr>
+              <p:style>
+                <a:lnRef idx="1">
+                  <a:schemeClr val="accent1"/>
+                </a:lnRef>
+                <a:fillRef idx="0">
+                  <a:schemeClr val="accent1"/>
+                </a:fillRef>
+                <a:effectRef idx="0">
+                  <a:schemeClr val="accent1"/>
+                </a:effectRef>
+                <a:fontRef idx="minor">
+                  <a:schemeClr val="tx1"/>
+                </a:fontRef>
+              </p:style>
+            </p:cxnSp>
+            <p:cxnSp>
+              <p:nvCxnSpPr>
+                <p:cNvPr id="41" name="직선 연결선 40">
+                  <a:extLst>
+                    <a:ext uri="{FF2B5EF4-FFF2-40B4-BE49-F238E27FC236}">
+                      <a16:creationId xmlns:a16="http://schemas.microsoft.com/office/drawing/2014/main" id="{F5DA0E27-7EA6-4E59-A4CF-C70163DCF2D2}"/>
+                    </a:ext>
+                  </a:extLst>
+                </p:cNvPr>
+                <p:cNvCxnSpPr>
+                  <a:cxnSpLocks/>
+                </p:cNvCxnSpPr>
+                <p:nvPr/>
+              </p:nvCxnSpPr>
+              <p:spPr>
+                <a:xfrm>
+                  <a:off x="4319122" y="1165437"/>
+                  <a:ext cx="0" cy="252470"/>
+                </a:xfrm>
+                <a:prstGeom prst="line">
+                  <a:avLst/>
+                </a:prstGeom>
+                <a:ln w="28575">
+                  <a:solidFill>
+                    <a:schemeClr val="tx1"/>
+                  </a:solidFill>
+                </a:ln>
+              </p:spPr>
+              <p:style>
+                <a:lnRef idx="1">
+                  <a:schemeClr val="accent1"/>
+                </a:lnRef>
+                <a:fillRef idx="0">
+                  <a:schemeClr val="accent1"/>
+                </a:fillRef>
+                <a:effectRef idx="0">
+                  <a:schemeClr val="accent1"/>
+                </a:effectRef>
+                <a:fontRef idx="minor">
+                  <a:schemeClr val="tx1"/>
+                </a:fontRef>
+              </p:style>
+            </p:cxnSp>
+            <p:cxnSp>
+              <p:nvCxnSpPr>
+                <p:cNvPr id="42" name="직선 연결선 41">
+                  <a:extLst>
+                    <a:ext uri="{FF2B5EF4-FFF2-40B4-BE49-F238E27FC236}">
+                      <a16:creationId xmlns:a16="http://schemas.microsoft.com/office/drawing/2014/main" id="{5D8C40EC-9226-4574-AA79-D76AC0002B76}"/>
+                    </a:ext>
+                  </a:extLst>
+                </p:cNvPr>
+                <p:cNvCxnSpPr>
+                  <a:cxnSpLocks/>
+                </p:cNvCxnSpPr>
+                <p:nvPr/>
+              </p:nvCxnSpPr>
+              <p:spPr>
+                <a:xfrm>
+                  <a:off x="6597502" y="1165437"/>
+                  <a:ext cx="0" cy="252470"/>
+                </a:xfrm>
+                <a:prstGeom prst="line">
+                  <a:avLst/>
+                </a:prstGeom>
+                <a:ln w="28575">
+                  <a:solidFill>
+                    <a:schemeClr val="tx1"/>
+                  </a:solidFill>
+                </a:ln>
+              </p:spPr>
+              <p:style>
+                <a:lnRef idx="1">
+                  <a:schemeClr val="accent1"/>
+                </a:lnRef>
+                <a:fillRef idx="0">
+                  <a:schemeClr val="accent1"/>
+                </a:fillRef>
+                <a:effectRef idx="0">
+                  <a:schemeClr val="accent1"/>
+                </a:effectRef>
+                <a:fontRef idx="minor">
+                  <a:schemeClr val="tx1"/>
+                </a:fontRef>
+              </p:style>
+            </p:cxnSp>
+          </p:grpSp>
+          <p:sp>
+            <p:nvSpPr>
+              <p:cNvPr id="44" name="TextBox 43">
+                <a:extLst>
+                  <a:ext uri="{FF2B5EF4-FFF2-40B4-BE49-F238E27FC236}">
+                    <a16:creationId xmlns:a16="http://schemas.microsoft.com/office/drawing/2014/main" id="{F950CA0D-0F35-4B3E-ADD2-14650C47AC0B}"/>
+                  </a:ext>
+                </a:extLst>
+              </p:cNvPr>
+              <p:cNvSpPr txBox="1"/>
+              <p:nvPr/>
+            </p:nvSpPr>
+            <p:spPr>
+              <a:xfrm>
+                <a:off x="2822172" y="2213602"/>
+                <a:ext cx="2149884" cy="338554"/>
+              </a:xfrm>
+              <a:prstGeom prst="rect">
+                <a:avLst/>
+              </a:prstGeom>
+              <a:noFill/>
+            </p:spPr>
+            <p:txBody>
+              <a:bodyPr wrap="none" rtlCol="0">
+                <a:spAutoFit/>
+              </a:bodyPr>
+              <a:lstStyle/>
+              <a:p>
+                <a:r>
+                  <a:rPr lang="en-US" altLang="ko-KR" sz="1600" dirty="0">
+                    <a:solidFill>
+                      <a:schemeClr val="accent1"/>
+                    </a:solidFill>
+                  </a:rPr>
+                  <a:t>Winds/Temp forecast</a:t>
+                </a:r>
+                <a:endParaRPr lang="ko-KR" altLang="en-US" sz="1600" dirty="0">
+                  <a:solidFill>
+                    <a:schemeClr val="accent1"/>
+                  </a:solidFill>
+                </a:endParaRPr>
+              </a:p>
+            </p:txBody>
+          </p:sp>
+          <p:sp>
+            <p:nvSpPr>
+              <p:cNvPr id="45" name="TextBox 44">
+                <a:extLst>
+                  <a:ext uri="{FF2B5EF4-FFF2-40B4-BE49-F238E27FC236}">
+                    <a16:creationId xmlns:a16="http://schemas.microsoft.com/office/drawing/2014/main" id="{490E4EFB-803E-4DDF-8FB1-CFF8F2E2B5C5}"/>
+                  </a:ext>
+                </a:extLst>
+              </p:cNvPr>
+              <p:cNvSpPr txBox="1"/>
+              <p:nvPr/>
+            </p:nvSpPr>
+            <p:spPr>
+              <a:xfrm>
+                <a:off x="2822172" y="2982370"/>
+                <a:ext cx="830484" cy="338554"/>
+              </a:xfrm>
+              <a:prstGeom prst="rect">
+                <a:avLst/>
+              </a:prstGeom>
+              <a:noFill/>
+            </p:spPr>
+            <p:txBody>
+              <a:bodyPr wrap="none" rtlCol="0">
+                <a:spAutoFit/>
+              </a:bodyPr>
+              <a:lstStyle/>
+              <a:p>
+                <a:r>
+                  <a:rPr lang="en-US" altLang="ko-KR" sz="1600" dirty="0">
+                    <a:solidFill>
+                      <a:schemeClr val="accent1"/>
+                    </a:solidFill>
+                  </a:rPr>
+                  <a:t>METAR</a:t>
+                </a:r>
+                <a:endParaRPr lang="ko-KR" altLang="en-US" sz="1600" dirty="0">
+                  <a:solidFill>
+                    <a:schemeClr val="accent1"/>
+                  </a:solidFill>
+                </a:endParaRPr>
+              </a:p>
+            </p:txBody>
+          </p:sp>
+          <p:sp>
+            <p:nvSpPr>
+              <p:cNvPr id="46" name="TextBox 45">
+                <a:extLst>
+                  <a:ext uri="{FF2B5EF4-FFF2-40B4-BE49-F238E27FC236}">
+                    <a16:creationId xmlns:a16="http://schemas.microsoft.com/office/drawing/2014/main" id="{9220D03C-140A-481E-8127-F2D2BB4F857D}"/>
+                  </a:ext>
+                </a:extLst>
+              </p:cNvPr>
+              <p:cNvSpPr txBox="1"/>
+              <p:nvPr/>
+            </p:nvSpPr>
+            <p:spPr>
+              <a:xfrm>
+                <a:off x="2822172" y="3789040"/>
+                <a:ext cx="1965346" cy="338554"/>
+              </a:xfrm>
+              <a:prstGeom prst="rect">
+                <a:avLst/>
+              </a:prstGeom>
+              <a:noFill/>
+            </p:spPr>
+            <p:txBody>
+              <a:bodyPr wrap="none" rtlCol="0">
+                <a:spAutoFit/>
+              </a:bodyPr>
+              <a:lstStyle/>
+              <a:p>
+                <a:r>
+                  <a:rPr lang="en-US" altLang="ko-KR" sz="1600" dirty="0">
+                    <a:solidFill>
+                      <a:schemeClr val="accent1"/>
+                    </a:solidFill>
+                  </a:rPr>
+                  <a:t>TAF - 6hour before</a:t>
+                </a:r>
+                <a:endParaRPr lang="ko-KR" altLang="en-US" sz="1600" dirty="0">
+                  <a:solidFill>
+                    <a:schemeClr val="accent1"/>
+                  </a:solidFill>
+                </a:endParaRPr>
+              </a:p>
+            </p:txBody>
+          </p:sp>
+          <p:sp>
+            <p:nvSpPr>
+              <p:cNvPr id="47" name="TextBox 46">
+                <a:extLst>
+                  <a:ext uri="{FF2B5EF4-FFF2-40B4-BE49-F238E27FC236}">
+                    <a16:creationId xmlns:a16="http://schemas.microsoft.com/office/drawing/2014/main" id="{9424A393-D7DC-46B3-95D5-6D03538D4B60}"/>
+                  </a:ext>
+                </a:extLst>
+              </p:cNvPr>
+              <p:cNvSpPr txBox="1"/>
+              <p:nvPr/>
+            </p:nvSpPr>
+            <p:spPr>
+              <a:xfrm>
+                <a:off x="2822172" y="4525674"/>
+                <a:ext cx="2079159" cy="338554"/>
+              </a:xfrm>
+              <a:prstGeom prst="rect">
+                <a:avLst/>
+              </a:prstGeom>
+              <a:noFill/>
+            </p:spPr>
+            <p:txBody>
+              <a:bodyPr wrap="none" rtlCol="0">
+                <a:spAutoFit/>
+              </a:bodyPr>
+              <a:lstStyle/>
+              <a:p>
+                <a:r>
+                  <a:rPr lang="en-US" altLang="ko-KR" sz="1600" dirty="0">
+                    <a:solidFill>
+                      <a:schemeClr val="accent1"/>
+                    </a:solidFill>
+                  </a:rPr>
+                  <a:t>TAF - 12hour before</a:t>
+                </a:r>
+                <a:endParaRPr lang="ko-KR" altLang="en-US" sz="1600" dirty="0">
+                  <a:solidFill>
+                    <a:schemeClr val="accent1"/>
+                  </a:solidFill>
+                </a:endParaRPr>
+              </a:p>
+            </p:txBody>
+          </p:sp>
+          <p:sp>
+            <p:nvSpPr>
+              <p:cNvPr id="48" name="TextBox 47">
+                <a:extLst>
+                  <a:ext uri="{FF2B5EF4-FFF2-40B4-BE49-F238E27FC236}">
+                    <a16:creationId xmlns:a16="http://schemas.microsoft.com/office/drawing/2014/main" id="{5D65BAC2-EB8D-456F-8E1D-56D8FEE55513}"/>
+                  </a:ext>
+                </a:extLst>
+              </p:cNvPr>
+              <p:cNvSpPr txBox="1"/>
+              <p:nvPr/>
+            </p:nvSpPr>
+            <p:spPr>
+              <a:xfrm>
+                <a:off x="2822172" y="5288470"/>
+                <a:ext cx="2079159" cy="338554"/>
+              </a:xfrm>
+              <a:prstGeom prst="rect">
+                <a:avLst/>
+              </a:prstGeom>
+              <a:noFill/>
+            </p:spPr>
+            <p:txBody>
+              <a:bodyPr wrap="none" rtlCol="0">
+                <a:spAutoFit/>
+              </a:bodyPr>
+              <a:lstStyle/>
+              <a:p>
+                <a:r>
+                  <a:rPr lang="en-US" altLang="ko-KR" sz="1600" dirty="0">
+                    <a:solidFill>
+                      <a:schemeClr val="accent1"/>
+                    </a:solidFill>
+                  </a:rPr>
+                  <a:t>TAF - 18hour before</a:t>
+                </a:r>
+                <a:endParaRPr lang="ko-KR" altLang="en-US" sz="1600" dirty="0">
+                  <a:solidFill>
+                    <a:schemeClr val="accent1"/>
+                  </a:solidFill>
+                </a:endParaRPr>
+              </a:p>
+            </p:txBody>
+          </p:sp>
+          <p:sp>
+            <p:nvSpPr>
+              <p:cNvPr id="49" name="TextBox 48">
+                <a:extLst>
+                  <a:ext uri="{FF2B5EF4-FFF2-40B4-BE49-F238E27FC236}">
+                    <a16:creationId xmlns:a16="http://schemas.microsoft.com/office/drawing/2014/main" id="{44339632-1F36-4FA7-9047-EFE6C7024044}"/>
+                  </a:ext>
+                </a:extLst>
+              </p:cNvPr>
+              <p:cNvSpPr txBox="1"/>
+              <p:nvPr/>
+            </p:nvSpPr>
+            <p:spPr>
+              <a:xfrm>
+                <a:off x="2822172" y="6034000"/>
+                <a:ext cx="2079159" cy="338554"/>
+              </a:xfrm>
+              <a:prstGeom prst="rect">
+                <a:avLst/>
+              </a:prstGeom>
+              <a:noFill/>
+            </p:spPr>
+            <p:txBody>
+              <a:bodyPr wrap="none" rtlCol="0">
+                <a:spAutoFit/>
+              </a:bodyPr>
+              <a:lstStyle/>
+              <a:p>
+                <a:r>
+                  <a:rPr lang="en-US" altLang="ko-KR" sz="1600" dirty="0">
+                    <a:solidFill>
+                      <a:schemeClr val="accent1"/>
+                    </a:solidFill>
+                  </a:rPr>
+                  <a:t>TAF - 24hour before</a:t>
+                </a:r>
+                <a:endParaRPr lang="ko-KR" altLang="en-US" sz="1600" dirty="0">
+                  <a:solidFill>
+                    <a:schemeClr val="accent1"/>
+                  </a:solidFill>
+                </a:endParaRPr>
+              </a:p>
+            </p:txBody>
+          </p:sp>
+          <p:sp>
+            <p:nvSpPr>
+              <p:cNvPr id="50" name="TextBox 49">
+                <a:extLst>
+                  <a:ext uri="{FF2B5EF4-FFF2-40B4-BE49-F238E27FC236}">
+                    <a16:creationId xmlns:a16="http://schemas.microsoft.com/office/drawing/2014/main" id="{4CDCA4DE-4586-4EBC-9A2F-253E2C99C194}"/>
+                  </a:ext>
+                </a:extLst>
+              </p:cNvPr>
+              <p:cNvSpPr txBox="1"/>
+              <p:nvPr/>
+            </p:nvSpPr>
+            <p:spPr>
+              <a:xfrm>
+                <a:off x="819123" y="1419426"/>
+                <a:ext cx="974947" cy="230832"/>
+              </a:xfrm>
+              <a:prstGeom prst="rect">
+                <a:avLst/>
+              </a:prstGeom>
+              <a:noFill/>
+            </p:spPr>
+            <p:txBody>
+              <a:bodyPr wrap="none" rtlCol="0">
+                <a:spAutoFit/>
+              </a:bodyPr>
+              <a:lstStyle/>
+              <a:p>
+                <a:r>
+                  <a:rPr lang="en-US" altLang="ko-KR" sz="900" dirty="0">
+                    <a:solidFill>
+                      <a:schemeClr val="accent1"/>
+                    </a:solidFill>
+                  </a:rPr>
+                  <a:t>Rate, Demands</a:t>
+                </a:r>
+                <a:endParaRPr lang="ko-KR" altLang="en-US" sz="900" dirty="0">
+                  <a:solidFill>
+                    <a:schemeClr val="accent1"/>
+                  </a:solidFill>
+                </a:endParaRPr>
+              </a:p>
+            </p:txBody>
+          </p:sp>
+          <p:sp>
+            <p:nvSpPr>
+              <p:cNvPr id="53" name="TextBox 52">
+                <a:extLst>
+                  <a:ext uri="{FF2B5EF4-FFF2-40B4-BE49-F238E27FC236}">
+                    <a16:creationId xmlns:a16="http://schemas.microsoft.com/office/drawing/2014/main" id="{D926E4EC-37A9-4B85-9CD9-5C3FB5EA3D46}"/>
+                  </a:ext>
+                </a:extLst>
+              </p:cNvPr>
+              <p:cNvSpPr txBox="1"/>
+              <p:nvPr/>
+            </p:nvSpPr>
+            <p:spPr>
+              <a:xfrm>
+                <a:off x="2865240" y="1419426"/>
+                <a:ext cx="662361" cy="230832"/>
+              </a:xfrm>
+              <a:prstGeom prst="rect">
+                <a:avLst/>
+              </a:prstGeom>
+              <a:noFill/>
+            </p:spPr>
+            <p:txBody>
+              <a:bodyPr wrap="none" rtlCol="0">
+                <a:spAutoFit/>
+              </a:bodyPr>
+              <a:lstStyle/>
+              <a:p>
+                <a:r>
+                  <a:rPr lang="en-US" altLang="ko-KR" sz="900" dirty="0">
+                    <a:solidFill>
+                      <a:schemeClr val="accent1"/>
+                    </a:solidFill>
+                  </a:rPr>
+                  <a:t>Datetime</a:t>
+                </a:r>
+                <a:endParaRPr lang="ko-KR" altLang="en-US" sz="900" dirty="0">
+                  <a:solidFill>
+                    <a:schemeClr val="accent1"/>
+                  </a:solidFill>
+                </a:endParaRPr>
+              </a:p>
+            </p:txBody>
+          </p:sp>
+          <p:sp>
+            <p:nvSpPr>
+              <p:cNvPr id="54" name="TextBox 53">
+                <a:extLst>
+                  <a:ext uri="{FF2B5EF4-FFF2-40B4-BE49-F238E27FC236}">
+                    <a16:creationId xmlns:a16="http://schemas.microsoft.com/office/drawing/2014/main" id="{DFB33E0A-141C-49F8-B9BA-03019907D9E3}"/>
+                  </a:ext>
+                </a:extLst>
+              </p:cNvPr>
+              <p:cNvSpPr txBox="1"/>
+              <p:nvPr/>
+            </p:nvSpPr>
+            <p:spPr>
+              <a:xfrm>
+                <a:off x="4382403" y="1419426"/>
+                <a:ext cx="1080745" cy="230832"/>
+              </a:xfrm>
+              <a:prstGeom prst="rect">
+                <a:avLst/>
+              </a:prstGeom>
+              <a:noFill/>
+            </p:spPr>
+            <p:txBody>
+              <a:bodyPr wrap="none" rtlCol="0">
+                <a:spAutoFit/>
+              </a:bodyPr>
+              <a:lstStyle/>
+              <a:p>
+                <a:r>
+                  <a:rPr lang="en-US" altLang="ko-KR" sz="900" dirty="0">
+                    <a:solidFill>
+                      <a:schemeClr val="accent1"/>
+                    </a:solidFill>
+                  </a:rPr>
+                  <a:t>Airport condition</a:t>
+                </a:r>
+                <a:endParaRPr lang="ko-KR" altLang="en-US" sz="900" dirty="0">
+                  <a:solidFill>
+                    <a:schemeClr val="accent1"/>
+                  </a:solidFill>
+                </a:endParaRPr>
+              </a:p>
+            </p:txBody>
+          </p:sp>
+          <p:sp>
+            <p:nvSpPr>
+              <p:cNvPr id="55" name="TextBox 54">
+                <a:extLst>
+                  <a:ext uri="{FF2B5EF4-FFF2-40B4-BE49-F238E27FC236}">
+                    <a16:creationId xmlns:a16="http://schemas.microsoft.com/office/drawing/2014/main" id="{21FA8397-728C-4D58-B788-7F2F84ECFB4B}"/>
+                  </a:ext>
+                </a:extLst>
+              </p:cNvPr>
+              <p:cNvSpPr txBox="1"/>
+              <p:nvPr/>
+            </p:nvSpPr>
+            <p:spPr>
+              <a:xfrm>
+                <a:off x="5460591" y="1419426"/>
+                <a:ext cx="1180131" cy="230832"/>
+              </a:xfrm>
+              <a:prstGeom prst="rect">
+                <a:avLst/>
+              </a:prstGeom>
+              <a:noFill/>
+            </p:spPr>
+            <p:txBody>
+              <a:bodyPr wrap="none" rtlCol="0">
+                <a:spAutoFit/>
+              </a:bodyPr>
+              <a:lstStyle/>
+              <a:p>
+                <a:r>
+                  <a:rPr lang="en-US" altLang="ko-KR" sz="900" dirty="0">
+                    <a:solidFill>
+                      <a:schemeClr val="accent1"/>
+                    </a:solidFill>
+                  </a:rPr>
+                  <a:t>Previous AAR, ADR</a:t>
+                </a:r>
+                <a:endParaRPr lang="ko-KR" altLang="en-US" sz="900" dirty="0">
+                  <a:solidFill>
+                    <a:schemeClr val="accent1"/>
+                  </a:solidFill>
+                </a:endParaRPr>
+              </a:p>
+            </p:txBody>
+          </p:sp>
+          <p:sp>
+            <p:nvSpPr>
+              <p:cNvPr id="56" name="TextBox 55">
+                <a:extLst>
+                  <a:ext uri="{FF2B5EF4-FFF2-40B4-BE49-F238E27FC236}">
+                    <a16:creationId xmlns:a16="http://schemas.microsoft.com/office/drawing/2014/main" id="{16B0FB57-6A84-4FCD-8841-003857534AF6}"/>
+                  </a:ext>
+                </a:extLst>
+              </p:cNvPr>
+              <p:cNvSpPr txBox="1"/>
+              <p:nvPr/>
+            </p:nvSpPr>
+            <p:spPr>
+              <a:xfrm>
+                <a:off x="7329287" y="1419426"/>
+                <a:ext cx="795411" cy="230832"/>
+              </a:xfrm>
+              <a:prstGeom prst="rect">
+                <a:avLst/>
+              </a:prstGeom>
+              <a:noFill/>
+            </p:spPr>
+            <p:txBody>
+              <a:bodyPr wrap="none" rtlCol="0">
+                <a:spAutoFit/>
+              </a:bodyPr>
+              <a:lstStyle/>
+              <a:p>
+                <a:r>
+                  <a:rPr lang="en-US" altLang="ko-KR" sz="900">
+                    <a:solidFill>
+                      <a:schemeClr val="accent1"/>
+                    </a:solidFill>
+                  </a:rPr>
+                  <a:t>Remainders</a:t>
+                </a:r>
+                <a:endParaRPr lang="ko-KR" altLang="en-US" sz="900" dirty="0">
+                  <a:solidFill>
+                    <a:schemeClr val="accent1"/>
+                  </a:solidFill>
+                </a:endParaRPr>
+              </a:p>
+            </p:txBody>
+          </p:sp>
+          <p:sp>
+            <p:nvSpPr>
+              <p:cNvPr id="57" name="TextBox 56">
+                <a:extLst>
+                  <a:ext uri="{FF2B5EF4-FFF2-40B4-BE49-F238E27FC236}">
+                    <a16:creationId xmlns:a16="http://schemas.microsoft.com/office/drawing/2014/main" id="{3170A7A0-1C02-434F-8F4F-5FD887B63AAE}"/>
+                  </a:ext>
+                </a:extLst>
+              </p:cNvPr>
+              <p:cNvSpPr txBox="1"/>
+              <p:nvPr/>
+            </p:nvSpPr>
+            <p:spPr>
+              <a:xfrm>
+                <a:off x="718455" y="983457"/>
+                <a:ext cx="1152880" cy="230832"/>
+              </a:xfrm>
+              <a:prstGeom prst="rect">
+                <a:avLst/>
+              </a:prstGeom>
+              <a:noFill/>
+            </p:spPr>
+            <p:txBody>
+              <a:bodyPr wrap="none" rtlCol="0">
+                <a:spAutoFit/>
+              </a:bodyPr>
+              <a:lstStyle/>
+              <a:p>
+                <a:r>
+                  <a:rPr lang="en-US" altLang="ko-KR" sz="900" dirty="0">
+                    <a:solidFill>
+                      <a:schemeClr val="accent2"/>
+                    </a:solidFill>
+                  </a:rPr>
+                  <a:t>&lt; Fixed location &gt;</a:t>
+                </a:r>
+                <a:endParaRPr lang="ko-KR" altLang="en-US" sz="900" dirty="0">
+                  <a:solidFill>
+                    <a:schemeClr val="accent2"/>
+                  </a:solidFill>
+                </a:endParaRPr>
+              </a:p>
+            </p:txBody>
+          </p:sp>
+          <p:sp>
+            <p:nvSpPr>
+              <p:cNvPr id="58" name="직사각형 57">
+                <a:extLst>
+                  <a:ext uri="{FF2B5EF4-FFF2-40B4-BE49-F238E27FC236}">
+                    <a16:creationId xmlns:a16="http://schemas.microsoft.com/office/drawing/2014/main" id="{5AC355E4-0334-401E-8C1E-F7A7C94F53A7}"/>
+                  </a:ext>
+                </a:extLst>
+              </p:cNvPr>
+              <p:cNvSpPr/>
+              <p:nvPr/>
+            </p:nvSpPr>
+            <p:spPr>
+              <a:xfrm>
+                <a:off x="0" y="239087"/>
+                <a:ext cx="12356983" cy="6379828"/>
+              </a:xfrm>
+              <a:prstGeom prst="rect">
+                <a:avLst/>
+              </a:prstGeom>
+              <a:noFill/>
+              <a:ln w="38100"/>
             </p:spPr>
             <p:style>
-              <a:lnRef idx="1">
-                <a:schemeClr val="accent1"/>
+              <a:lnRef idx="2">
+                <a:schemeClr val="accent1">
+                  <a:shade val="50000"/>
+                </a:schemeClr>
               </a:lnRef>
-              <a:fillRef idx="0">
+              <a:fillRef idx="1">
                 <a:schemeClr val="accent1"/>
               </a:fillRef>
               <a:effectRef idx="0">
                 <a:schemeClr val="accent1"/>
               </a:effectRef>
               <a:fontRef idx="minor">
-                <a:schemeClr val="tx1"/>
+                <a:schemeClr val="lt1"/>
               </a:fontRef>
             </p:style>
-          </p:cxnSp>
-          <p:cxnSp>
-            <p:nvCxnSpPr>
-              <p:cNvPr id="40" name="직선 연결선 39">
+            <p:txBody>
+              <a:bodyPr rtlCol="0" anchor="ctr"/>
+              <a:lstStyle/>
+              <a:p>
+                <a:pPr algn="ctr"/>
+                <a:endParaRPr lang="ko-KR" altLang="en-US"/>
+              </a:p>
+            </p:txBody>
+          </p:sp>
+          <p:sp>
+            <p:nvSpPr>
+              <p:cNvPr id="59" name="TextBox 58">
                 <a:extLst>
                   <a:ext uri="{FF2B5EF4-FFF2-40B4-BE49-F238E27FC236}">
-                    <a16:creationId xmlns:a16="http://schemas.microsoft.com/office/drawing/2014/main" id="{3594C34E-F9CB-4668-9E80-04F62F4C2961}"/>
+                    <a16:creationId xmlns:a16="http://schemas.microsoft.com/office/drawing/2014/main" id="{0F962A47-A3B0-4417-8B8B-AE4037AA0A8D}"/>
                   </a:ext>
                 </a:extLst>
               </p:cNvPr>
-              <p:cNvCxnSpPr>
-                <a:cxnSpLocks/>
-              </p:cNvCxnSpPr>
+              <p:cNvSpPr txBox="1"/>
               <p:nvPr/>
-            </p:nvCxnSpPr>
+            </p:nvSpPr>
             <p:spPr>
               <a:xfrm>
-                <a:off x="2071222" y="1165437"/>
-                <a:ext cx="0" cy="252470"/>
+                <a:off x="642954" y="58723"/>
+                <a:ext cx="1308050" cy="369332"/>
               </a:xfrm>
-              <a:prstGeom prst="line">
+              <a:prstGeom prst="rect">
                 <a:avLst/>
               </a:prstGeom>
-              <a:ln w="28575">
+              <a:solidFill>
+                <a:schemeClr val="bg1"/>
+              </a:solidFill>
+            </p:spPr>
+            <p:txBody>
+              <a:bodyPr wrap="none" rtlCol="0">
+                <a:spAutoFit/>
+              </a:bodyPr>
+              <a:lstStyle/>
+              <a:p>
+                <a:r>
+                  <a:rPr lang="en-US" altLang="ko-KR" b="1" dirty="0">
+                    <a:solidFill>
+                      <a:schemeClr val="accent1">
+                        <a:lumMod val="50000"/>
+                      </a:schemeClr>
+                    </a:solidFill>
+                  </a:rPr>
+                  <a:t>Total Data</a:t>
+                </a:r>
+                <a:endParaRPr lang="ko-KR" altLang="en-US" b="1" dirty="0">
+                  <a:solidFill>
+                    <a:schemeClr val="accent1">
+                      <a:lumMod val="50000"/>
+                    </a:schemeClr>
+                  </a:solidFill>
+                </a:endParaRPr>
+              </a:p>
+            </p:txBody>
+          </p:sp>
+          <p:sp>
+            <p:nvSpPr>
+              <p:cNvPr id="60" name="직사각형 59">
+                <a:extLst>
+                  <a:ext uri="{FF2B5EF4-FFF2-40B4-BE49-F238E27FC236}">
+                    <a16:creationId xmlns:a16="http://schemas.microsoft.com/office/drawing/2014/main" id="{3282AE50-41EE-41F3-A4C4-E8E734C145E3}"/>
+                  </a:ext>
+                </a:extLst>
+              </p:cNvPr>
+              <p:cNvSpPr/>
+              <p:nvPr/>
+            </p:nvSpPr>
+            <p:spPr>
+              <a:xfrm>
+                <a:off x="109057" y="608419"/>
+                <a:ext cx="11878811" cy="3537453"/>
+              </a:xfrm>
+              <a:prstGeom prst="rect">
+                <a:avLst/>
+              </a:prstGeom>
+              <a:noFill/>
+              <a:ln w="38100">
                 <a:solidFill>
-                  <a:schemeClr val="tx1"/>
+                  <a:schemeClr val="accent2"/>
                 </a:solidFill>
               </a:ln>
             </p:spPr>
             <p:style>
-              <a:lnRef idx="1">
-                <a:schemeClr val="accent1"/>
+              <a:lnRef idx="2">
+                <a:schemeClr val="accent1">
+                  <a:shade val="50000"/>
+                </a:schemeClr>
               </a:lnRef>
-              <a:fillRef idx="0">
+              <a:fillRef idx="1">
                 <a:schemeClr val="accent1"/>
               </a:fillRef>
               <a:effectRef idx="0">
                 <a:schemeClr val="accent1"/>
               </a:effectRef>
               <a:fontRef idx="minor">
-                <a:schemeClr val="tx1"/>
+                <a:schemeClr val="lt1"/>
               </a:fontRef>
             </p:style>
-          </p:cxnSp>
-          <p:cxnSp>
-            <p:nvCxnSpPr>
-              <p:cNvPr id="41" name="직선 연결선 40">
+            <p:txBody>
+              <a:bodyPr rtlCol="0" anchor="ctr"/>
+              <a:lstStyle/>
+              <a:p>
+                <a:pPr algn="ctr"/>
+                <a:endParaRPr lang="ko-KR" altLang="en-US"/>
+              </a:p>
+            </p:txBody>
+          </p:sp>
+          <p:sp>
+            <p:nvSpPr>
+              <p:cNvPr id="61" name="TextBox 60">
                 <a:extLst>
                   <a:ext uri="{FF2B5EF4-FFF2-40B4-BE49-F238E27FC236}">
-                    <a16:creationId xmlns:a16="http://schemas.microsoft.com/office/drawing/2014/main" id="{F5DA0E27-7EA6-4E59-A4CF-C70163DCF2D2}"/>
+                    <a16:creationId xmlns:a16="http://schemas.microsoft.com/office/drawing/2014/main" id="{BC7BC59B-EE5E-4365-B647-301FCD7F16E8}"/>
                   </a:ext>
                 </a:extLst>
               </p:cNvPr>
-              <p:cNvCxnSpPr>
-                <a:cxnSpLocks/>
-              </p:cNvCxnSpPr>
+              <p:cNvSpPr txBox="1"/>
               <p:nvPr/>
-            </p:nvCxnSpPr>
+            </p:nvSpPr>
             <p:spPr>
               <a:xfrm>
-                <a:off x="4319122" y="1165437"/>
-                <a:ext cx="0" cy="252470"/>
+                <a:off x="1294895" y="408988"/>
+                <a:ext cx="2031775" cy="369332"/>
               </a:xfrm>
-              <a:prstGeom prst="line">
+              <a:prstGeom prst="rect">
                 <a:avLst/>
               </a:prstGeom>
-              <a:ln w="28575">
-                <a:solidFill>
-                  <a:schemeClr val="tx1"/>
-                </a:solidFill>
-              </a:ln>
+              <a:solidFill>
+                <a:schemeClr val="bg1"/>
+              </a:solidFill>
             </p:spPr>
-            <p:style>
-              <a:lnRef idx="1">
-                <a:schemeClr val="accent1"/>
-              </a:lnRef>
-              <a:fillRef idx="0">
-                <a:schemeClr val="accent1"/>
-              </a:fillRef>
-              <a:effectRef idx="0">
-                <a:schemeClr val="accent1"/>
-              </a:effectRef>
-              <a:fontRef idx="minor">
-                <a:schemeClr val="tx1"/>
-              </a:fontRef>
-            </p:style>
-          </p:cxnSp>
-          <p:cxnSp>
-            <p:nvCxnSpPr>
-              <p:cNvPr id="42" name="직선 연결선 41">
+            <p:txBody>
+              <a:bodyPr wrap="none" rtlCol="0">
+                <a:spAutoFit/>
+              </a:bodyPr>
+              <a:lstStyle/>
+              <a:p>
+                <a:r>
+                  <a:rPr lang="en-US" altLang="ko-KR" b="1" dirty="0">
+                    <a:solidFill>
+                      <a:schemeClr val="accent2"/>
+                    </a:solidFill>
+                  </a:rPr>
+                  <a:t>1hour prediction</a:t>
+                </a:r>
+                <a:endParaRPr lang="ko-KR" altLang="en-US" b="1" dirty="0">
+                  <a:solidFill>
+                    <a:schemeClr val="accent2"/>
+                  </a:solidFill>
+                </a:endParaRPr>
+              </a:p>
+            </p:txBody>
+          </p:sp>
+          <p:sp>
+            <p:nvSpPr>
+              <p:cNvPr id="35" name="TextBox 34">
                 <a:extLst>
                   <a:ext uri="{FF2B5EF4-FFF2-40B4-BE49-F238E27FC236}">
-                    <a16:creationId xmlns:a16="http://schemas.microsoft.com/office/drawing/2014/main" id="{5D8C40EC-9226-4574-AA79-D76AC0002B76}"/>
+                    <a16:creationId xmlns:a16="http://schemas.microsoft.com/office/drawing/2014/main" id="{5AF6D446-2541-4C39-B745-FD72E8B2EEF5}"/>
                   </a:ext>
                 </a:extLst>
               </p:cNvPr>
-              <p:cNvCxnSpPr>
-                <a:cxnSpLocks/>
-              </p:cNvCxnSpPr>
+              <p:cNvSpPr txBox="1"/>
               <p:nvPr/>
-            </p:nvCxnSpPr>
+            </p:nvSpPr>
             <p:spPr>
               <a:xfrm>
-                <a:off x="6597502" y="1165437"/>
-                <a:ext cx="0" cy="252470"/>
+                <a:off x="5460591" y="1604966"/>
+                <a:ext cx="1887055" cy="230832"/>
               </a:xfrm>
-              <a:prstGeom prst="line">
+              <a:prstGeom prst="rect">
                 <a:avLst/>
               </a:prstGeom>
-              <a:ln w="28575">
-                <a:solidFill>
-                  <a:schemeClr val="tx1"/>
-                </a:solidFill>
-              </a:ln>
+              <a:noFill/>
             </p:spPr>
-            <p:style>
-              <a:lnRef idx="1">
-                <a:schemeClr val="accent1"/>
-              </a:lnRef>
-              <a:fillRef idx="0">
-                <a:schemeClr val="accent1"/>
-              </a:fillRef>
-              <a:effectRef idx="0">
-                <a:schemeClr val="accent1"/>
-              </a:effectRef>
-              <a:fontRef idx="minor">
-                <a:schemeClr val="tx1"/>
-              </a:fontRef>
-            </p:style>
-          </p:cxnSp>
+            <p:txBody>
+              <a:bodyPr wrap="none" rtlCol="0">
+                <a:spAutoFit/>
+              </a:bodyPr>
+              <a:lstStyle/>
+              <a:p>
+                <a:r>
+                  <a:rPr lang="en-US" altLang="ko-KR" sz="900" dirty="0">
+                    <a:solidFill>
+                      <a:schemeClr val="accent1"/>
+                    </a:solidFill>
+                  </a:rPr>
+                  <a:t>or, Predicted Previous AAR, ADR</a:t>
+                </a:r>
+                <a:endParaRPr lang="ko-KR" altLang="en-US" sz="900" dirty="0">
+                  <a:solidFill>
+                    <a:schemeClr val="accent1"/>
+                  </a:solidFill>
+                </a:endParaRPr>
+              </a:p>
+            </p:txBody>
+          </p:sp>
         </p:grpSp>
         <p:sp>
           <p:nvSpPr>
-            <p:cNvPr id="44" name="TextBox 43">
+            <p:cNvPr id="34" name="직사각형 33">
               <a:extLst>
                 <a:ext uri="{FF2B5EF4-FFF2-40B4-BE49-F238E27FC236}">
-                  <a16:creationId xmlns:a16="http://schemas.microsoft.com/office/drawing/2014/main" id="{F950CA0D-0F35-4B3E-ADD2-14650C47AC0B}"/>
-                </a:ext>
-              </a:extLst>
-            </p:cNvPr>
-            <p:cNvSpPr txBox="1"/>
-            <p:nvPr/>
-          </p:nvSpPr>
-          <p:spPr>
-            <a:xfrm>
-              <a:off x="2822172" y="2213602"/>
-              <a:ext cx="2149884" cy="338554"/>
-            </a:xfrm>
-            <a:prstGeom prst="rect">
-              <a:avLst/>
-            </a:prstGeom>
-            <a:noFill/>
-          </p:spPr>
-          <p:txBody>
-            <a:bodyPr wrap="none" rtlCol="0">
-              <a:spAutoFit/>
-            </a:bodyPr>
-            <a:lstStyle/>
-            <a:p>
-              <a:r>
-                <a:rPr lang="en-US" altLang="ko-KR" sz="1600" dirty="0">
-                  <a:solidFill>
-                    <a:schemeClr val="accent1"/>
-                  </a:solidFill>
-                </a:rPr>
-                <a:t>Winds/Temp forecast</a:t>
-              </a:r>
-              <a:endParaRPr lang="ko-KR" altLang="en-US" sz="1600" dirty="0">
-                <a:solidFill>
-                  <a:schemeClr val="accent1"/>
-                </a:solidFill>
-              </a:endParaRPr>
-            </a:p>
-          </p:txBody>
-        </p:sp>
-        <p:sp>
-          <p:nvSpPr>
-            <p:cNvPr id="45" name="TextBox 44">
-              <a:extLst>
-                <a:ext uri="{FF2B5EF4-FFF2-40B4-BE49-F238E27FC236}">
-                  <a16:creationId xmlns:a16="http://schemas.microsoft.com/office/drawing/2014/main" id="{490E4EFB-803E-4DDF-8FB1-CFF8F2E2B5C5}"/>
-                </a:ext>
-              </a:extLst>
-            </p:cNvPr>
-            <p:cNvSpPr txBox="1"/>
-            <p:nvPr/>
-          </p:nvSpPr>
-          <p:spPr>
-            <a:xfrm>
-              <a:off x="2822172" y="2982370"/>
-              <a:ext cx="830484" cy="338554"/>
-            </a:xfrm>
-            <a:prstGeom prst="rect">
-              <a:avLst/>
-            </a:prstGeom>
-            <a:noFill/>
-          </p:spPr>
-          <p:txBody>
-            <a:bodyPr wrap="none" rtlCol="0">
-              <a:spAutoFit/>
-            </a:bodyPr>
-            <a:lstStyle/>
-            <a:p>
-              <a:r>
-                <a:rPr lang="en-US" altLang="ko-KR" sz="1600" dirty="0">
-                  <a:solidFill>
-                    <a:schemeClr val="accent1"/>
-                  </a:solidFill>
-                </a:rPr>
-                <a:t>METAR</a:t>
-              </a:r>
-              <a:endParaRPr lang="ko-KR" altLang="en-US" sz="1600" dirty="0">
-                <a:solidFill>
-                  <a:schemeClr val="accent1"/>
-                </a:solidFill>
-              </a:endParaRPr>
-            </a:p>
-          </p:txBody>
-        </p:sp>
-        <p:sp>
-          <p:nvSpPr>
-            <p:cNvPr id="46" name="TextBox 45">
-              <a:extLst>
-                <a:ext uri="{FF2B5EF4-FFF2-40B4-BE49-F238E27FC236}">
-                  <a16:creationId xmlns:a16="http://schemas.microsoft.com/office/drawing/2014/main" id="{9220D03C-140A-481E-8127-F2D2BB4F857D}"/>
-                </a:ext>
-              </a:extLst>
-            </p:cNvPr>
-            <p:cNvSpPr txBox="1"/>
-            <p:nvPr/>
-          </p:nvSpPr>
-          <p:spPr>
-            <a:xfrm>
-              <a:off x="2822172" y="3789040"/>
-              <a:ext cx="1965346" cy="338554"/>
-            </a:xfrm>
-            <a:prstGeom prst="rect">
-              <a:avLst/>
-            </a:prstGeom>
-            <a:noFill/>
-          </p:spPr>
-          <p:txBody>
-            <a:bodyPr wrap="none" rtlCol="0">
-              <a:spAutoFit/>
-            </a:bodyPr>
-            <a:lstStyle/>
-            <a:p>
-              <a:r>
-                <a:rPr lang="en-US" altLang="ko-KR" sz="1600" dirty="0">
-                  <a:solidFill>
-                    <a:schemeClr val="accent1"/>
-                  </a:solidFill>
-                </a:rPr>
-                <a:t>TAF - 6hour before</a:t>
-              </a:r>
-              <a:endParaRPr lang="ko-KR" altLang="en-US" sz="1600" dirty="0">
-                <a:solidFill>
-                  <a:schemeClr val="accent1"/>
-                </a:solidFill>
-              </a:endParaRPr>
-            </a:p>
-          </p:txBody>
-        </p:sp>
-        <p:sp>
-          <p:nvSpPr>
-            <p:cNvPr id="47" name="TextBox 46">
-              <a:extLst>
-                <a:ext uri="{FF2B5EF4-FFF2-40B4-BE49-F238E27FC236}">
-                  <a16:creationId xmlns:a16="http://schemas.microsoft.com/office/drawing/2014/main" id="{9424A393-D7DC-46B3-95D5-6D03538D4B60}"/>
-                </a:ext>
-              </a:extLst>
-            </p:cNvPr>
-            <p:cNvSpPr txBox="1"/>
-            <p:nvPr/>
-          </p:nvSpPr>
-          <p:spPr>
-            <a:xfrm>
-              <a:off x="2822172" y="4525674"/>
-              <a:ext cx="2079159" cy="338554"/>
-            </a:xfrm>
-            <a:prstGeom prst="rect">
-              <a:avLst/>
-            </a:prstGeom>
-            <a:noFill/>
-          </p:spPr>
-          <p:txBody>
-            <a:bodyPr wrap="none" rtlCol="0">
-              <a:spAutoFit/>
-            </a:bodyPr>
-            <a:lstStyle/>
-            <a:p>
-              <a:r>
-                <a:rPr lang="en-US" altLang="ko-KR" sz="1600" dirty="0">
-                  <a:solidFill>
-                    <a:schemeClr val="accent1"/>
-                  </a:solidFill>
-                </a:rPr>
-                <a:t>TAF - 12hour before</a:t>
-              </a:r>
-              <a:endParaRPr lang="ko-KR" altLang="en-US" sz="1600" dirty="0">
-                <a:solidFill>
-                  <a:schemeClr val="accent1"/>
-                </a:solidFill>
-              </a:endParaRPr>
-            </a:p>
-          </p:txBody>
-        </p:sp>
-        <p:sp>
-          <p:nvSpPr>
-            <p:cNvPr id="48" name="TextBox 47">
-              <a:extLst>
-                <a:ext uri="{FF2B5EF4-FFF2-40B4-BE49-F238E27FC236}">
-                  <a16:creationId xmlns:a16="http://schemas.microsoft.com/office/drawing/2014/main" id="{5D65BAC2-EB8D-456F-8E1D-56D8FEE55513}"/>
-                </a:ext>
-              </a:extLst>
-            </p:cNvPr>
-            <p:cNvSpPr txBox="1"/>
-            <p:nvPr/>
-          </p:nvSpPr>
-          <p:spPr>
-            <a:xfrm>
-              <a:off x="2822172" y="5288470"/>
-              <a:ext cx="2079159" cy="338554"/>
-            </a:xfrm>
-            <a:prstGeom prst="rect">
-              <a:avLst/>
-            </a:prstGeom>
-            <a:noFill/>
-          </p:spPr>
-          <p:txBody>
-            <a:bodyPr wrap="none" rtlCol="0">
-              <a:spAutoFit/>
-            </a:bodyPr>
-            <a:lstStyle/>
-            <a:p>
-              <a:r>
-                <a:rPr lang="en-US" altLang="ko-KR" sz="1600" dirty="0">
-                  <a:solidFill>
-                    <a:schemeClr val="accent1"/>
-                  </a:solidFill>
-                </a:rPr>
-                <a:t>TAF - 18hour before</a:t>
-              </a:r>
-              <a:endParaRPr lang="ko-KR" altLang="en-US" sz="1600" dirty="0">
-                <a:solidFill>
-                  <a:schemeClr val="accent1"/>
-                </a:solidFill>
-              </a:endParaRPr>
-            </a:p>
-          </p:txBody>
-        </p:sp>
-        <p:sp>
-          <p:nvSpPr>
-            <p:cNvPr id="49" name="TextBox 48">
-              <a:extLst>
-                <a:ext uri="{FF2B5EF4-FFF2-40B4-BE49-F238E27FC236}">
-                  <a16:creationId xmlns:a16="http://schemas.microsoft.com/office/drawing/2014/main" id="{44339632-1F36-4FA7-9047-EFE6C7024044}"/>
-                </a:ext>
-              </a:extLst>
-            </p:cNvPr>
-            <p:cNvSpPr txBox="1"/>
-            <p:nvPr/>
-          </p:nvSpPr>
-          <p:spPr>
-            <a:xfrm>
-              <a:off x="2822172" y="6034000"/>
-              <a:ext cx="2079159" cy="338554"/>
-            </a:xfrm>
-            <a:prstGeom prst="rect">
-              <a:avLst/>
-            </a:prstGeom>
-            <a:noFill/>
-          </p:spPr>
-          <p:txBody>
-            <a:bodyPr wrap="none" rtlCol="0">
-              <a:spAutoFit/>
-            </a:bodyPr>
-            <a:lstStyle/>
-            <a:p>
-              <a:r>
-                <a:rPr lang="en-US" altLang="ko-KR" sz="1600" dirty="0">
-                  <a:solidFill>
-                    <a:schemeClr val="accent1"/>
-                  </a:solidFill>
-                </a:rPr>
-                <a:t>TAF - 24hour before</a:t>
-              </a:r>
-              <a:endParaRPr lang="ko-KR" altLang="en-US" sz="1600" dirty="0">
-                <a:solidFill>
-                  <a:schemeClr val="accent1"/>
-                </a:solidFill>
-              </a:endParaRPr>
-            </a:p>
-          </p:txBody>
-        </p:sp>
-        <p:sp>
-          <p:nvSpPr>
-            <p:cNvPr id="50" name="TextBox 49">
-              <a:extLst>
-                <a:ext uri="{FF2B5EF4-FFF2-40B4-BE49-F238E27FC236}">
-                  <a16:creationId xmlns:a16="http://schemas.microsoft.com/office/drawing/2014/main" id="{4CDCA4DE-4586-4EBC-9A2F-253E2C99C194}"/>
-                </a:ext>
-              </a:extLst>
-            </p:cNvPr>
-            <p:cNvSpPr txBox="1"/>
-            <p:nvPr/>
-          </p:nvSpPr>
-          <p:spPr>
-            <a:xfrm>
-              <a:off x="819123" y="1419426"/>
-              <a:ext cx="974947" cy="230832"/>
-            </a:xfrm>
-            <a:prstGeom prst="rect">
-              <a:avLst/>
-            </a:prstGeom>
-            <a:noFill/>
-          </p:spPr>
-          <p:txBody>
-            <a:bodyPr wrap="none" rtlCol="0">
-              <a:spAutoFit/>
-            </a:bodyPr>
-            <a:lstStyle/>
-            <a:p>
-              <a:r>
-                <a:rPr lang="en-US" altLang="ko-KR" sz="900" dirty="0">
-                  <a:solidFill>
-                    <a:schemeClr val="accent1"/>
-                  </a:solidFill>
-                </a:rPr>
-                <a:t>Rate, Demands</a:t>
-              </a:r>
-              <a:endParaRPr lang="ko-KR" altLang="en-US" sz="900" dirty="0">
-                <a:solidFill>
-                  <a:schemeClr val="accent1"/>
-                </a:solidFill>
-              </a:endParaRPr>
-            </a:p>
-          </p:txBody>
-        </p:sp>
-        <p:sp>
-          <p:nvSpPr>
-            <p:cNvPr id="53" name="TextBox 52">
-              <a:extLst>
-                <a:ext uri="{FF2B5EF4-FFF2-40B4-BE49-F238E27FC236}">
-                  <a16:creationId xmlns:a16="http://schemas.microsoft.com/office/drawing/2014/main" id="{D926E4EC-37A9-4B85-9CD9-5C3FB5EA3D46}"/>
-                </a:ext>
-              </a:extLst>
-            </p:cNvPr>
-            <p:cNvSpPr txBox="1"/>
-            <p:nvPr/>
-          </p:nvSpPr>
-          <p:spPr>
-            <a:xfrm>
-              <a:off x="2865240" y="1419426"/>
-              <a:ext cx="662361" cy="230832"/>
-            </a:xfrm>
-            <a:prstGeom prst="rect">
-              <a:avLst/>
-            </a:prstGeom>
-            <a:noFill/>
-          </p:spPr>
-          <p:txBody>
-            <a:bodyPr wrap="none" rtlCol="0">
-              <a:spAutoFit/>
-            </a:bodyPr>
-            <a:lstStyle/>
-            <a:p>
-              <a:r>
-                <a:rPr lang="en-US" altLang="ko-KR" sz="900" dirty="0">
-                  <a:solidFill>
-                    <a:schemeClr val="accent1"/>
-                  </a:solidFill>
-                </a:rPr>
-                <a:t>Datetime</a:t>
-              </a:r>
-              <a:endParaRPr lang="ko-KR" altLang="en-US" sz="900" dirty="0">
-                <a:solidFill>
-                  <a:schemeClr val="accent1"/>
-                </a:solidFill>
-              </a:endParaRPr>
-            </a:p>
-          </p:txBody>
-        </p:sp>
-        <p:sp>
-          <p:nvSpPr>
-            <p:cNvPr id="54" name="TextBox 53">
-              <a:extLst>
-                <a:ext uri="{FF2B5EF4-FFF2-40B4-BE49-F238E27FC236}">
-                  <a16:creationId xmlns:a16="http://schemas.microsoft.com/office/drawing/2014/main" id="{DFB33E0A-141C-49F8-B9BA-03019907D9E3}"/>
-                </a:ext>
-              </a:extLst>
-            </p:cNvPr>
-            <p:cNvSpPr txBox="1"/>
-            <p:nvPr/>
-          </p:nvSpPr>
-          <p:spPr>
-            <a:xfrm>
-              <a:off x="4382403" y="1419426"/>
-              <a:ext cx="1080745" cy="230832"/>
-            </a:xfrm>
-            <a:prstGeom prst="rect">
-              <a:avLst/>
-            </a:prstGeom>
-            <a:noFill/>
-          </p:spPr>
-          <p:txBody>
-            <a:bodyPr wrap="none" rtlCol="0">
-              <a:spAutoFit/>
-            </a:bodyPr>
-            <a:lstStyle/>
-            <a:p>
-              <a:r>
-                <a:rPr lang="en-US" altLang="ko-KR" sz="900" dirty="0">
-                  <a:solidFill>
-                    <a:schemeClr val="accent1"/>
-                  </a:solidFill>
-                </a:rPr>
-                <a:t>Airport condition</a:t>
-              </a:r>
-              <a:endParaRPr lang="ko-KR" altLang="en-US" sz="900" dirty="0">
-                <a:solidFill>
-                  <a:schemeClr val="accent1"/>
-                </a:solidFill>
-              </a:endParaRPr>
-            </a:p>
-          </p:txBody>
-        </p:sp>
-        <p:sp>
-          <p:nvSpPr>
-            <p:cNvPr id="55" name="TextBox 54">
-              <a:extLst>
-                <a:ext uri="{FF2B5EF4-FFF2-40B4-BE49-F238E27FC236}">
-                  <a16:creationId xmlns:a16="http://schemas.microsoft.com/office/drawing/2014/main" id="{21FA8397-728C-4D58-B788-7F2F84ECFB4B}"/>
-                </a:ext>
-              </a:extLst>
-            </p:cNvPr>
-            <p:cNvSpPr txBox="1"/>
-            <p:nvPr/>
-          </p:nvSpPr>
-          <p:spPr>
-            <a:xfrm>
-              <a:off x="5460591" y="1419426"/>
-              <a:ext cx="1180131" cy="230832"/>
-            </a:xfrm>
-            <a:prstGeom prst="rect">
-              <a:avLst/>
-            </a:prstGeom>
-            <a:noFill/>
-          </p:spPr>
-          <p:txBody>
-            <a:bodyPr wrap="none" rtlCol="0">
-              <a:spAutoFit/>
-            </a:bodyPr>
-            <a:lstStyle/>
-            <a:p>
-              <a:r>
-                <a:rPr lang="en-US" altLang="ko-KR" sz="900" dirty="0">
-                  <a:solidFill>
-                    <a:schemeClr val="accent1"/>
-                  </a:solidFill>
-                </a:rPr>
-                <a:t>Previous AAR, ADR</a:t>
-              </a:r>
-              <a:endParaRPr lang="ko-KR" altLang="en-US" sz="900" dirty="0">
-                <a:solidFill>
-                  <a:schemeClr val="accent1"/>
-                </a:solidFill>
-              </a:endParaRPr>
-            </a:p>
-          </p:txBody>
-        </p:sp>
-        <p:sp>
-          <p:nvSpPr>
-            <p:cNvPr id="56" name="TextBox 55">
-              <a:extLst>
-                <a:ext uri="{FF2B5EF4-FFF2-40B4-BE49-F238E27FC236}">
-                  <a16:creationId xmlns:a16="http://schemas.microsoft.com/office/drawing/2014/main" id="{16B0FB57-6A84-4FCD-8841-003857534AF6}"/>
-                </a:ext>
-              </a:extLst>
-            </p:cNvPr>
-            <p:cNvSpPr txBox="1"/>
-            <p:nvPr/>
-          </p:nvSpPr>
-          <p:spPr>
-            <a:xfrm>
-              <a:off x="7329287" y="1419426"/>
-              <a:ext cx="795411" cy="230832"/>
-            </a:xfrm>
-            <a:prstGeom prst="rect">
-              <a:avLst/>
-            </a:prstGeom>
-            <a:noFill/>
-          </p:spPr>
-          <p:txBody>
-            <a:bodyPr wrap="none" rtlCol="0">
-              <a:spAutoFit/>
-            </a:bodyPr>
-            <a:lstStyle/>
-            <a:p>
-              <a:r>
-                <a:rPr lang="en-US" altLang="ko-KR" sz="900">
-                  <a:solidFill>
-                    <a:schemeClr val="accent1"/>
-                  </a:solidFill>
-                </a:rPr>
-                <a:t>Remainders</a:t>
-              </a:r>
-              <a:endParaRPr lang="ko-KR" altLang="en-US" sz="900" dirty="0">
-                <a:solidFill>
-                  <a:schemeClr val="accent1"/>
-                </a:solidFill>
-              </a:endParaRPr>
-            </a:p>
-          </p:txBody>
-        </p:sp>
-        <p:sp>
-          <p:nvSpPr>
-            <p:cNvPr id="57" name="TextBox 56">
-              <a:extLst>
-                <a:ext uri="{FF2B5EF4-FFF2-40B4-BE49-F238E27FC236}">
-                  <a16:creationId xmlns:a16="http://schemas.microsoft.com/office/drawing/2014/main" id="{3170A7A0-1C02-434F-8F4F-5FD887B63AAE}"/>
-                </a:ext>
-              </a:extLst>
-            </p:cNvPr>
-            <p:cNvSpPr txBox="1"/>
-            <p:nvPr/>
-          </p:nvSpPr>
-          <p:spPr>
-            <a:xfrm>
-              <a:off x="718455" y="983457"/>
-              <a:ext cx="1152880" cy="230832"/>
-            </a:xfrm>
-            <a:prstGeom prst="rect">
-              <a:avLst/>
-            </a:prstGeom>
-            <a:noFill/>
-          </p:spPr>
-          <p:txBody>
-            <a:bodyPr wrap="none" rtlCol="0">
-              <a:spAutoFit/>
-            </a:bodyPr>
-            <a:lstStyle/>
-            <a:p>
-              <a:r>
-                <a:rPr lang="en-US" altLang="ko-KR" sz="900" dirty="0">
-                  <a:solidFill>
-                    <a:schemeClr val="accent2"/>
-                  </a:solidFill>
-                </a:rPr>
-                <a:t>&lt; Fixed location &gt;</a:t>
-              </a:r>
-              <a:endParaRPr lang="ko-KR" altLang="en-US" sz="900" dirty="0">
-                <a:solidFill>
-                  <a:schemeClr val="accent2"/>
-                </a:solidFill>
-              </a:endParaRPr>
-            </a:p>
-          </p:txBody>
-        </p:sp>
-        <p:sp>
-          <p:nvSpPr>
-            <p:cNvPr id="58" name="직사각형 57">
-              <a:extLst>
-                <a:ext uri="{FF2B5EF4-FFF2-40B4-BE49-F238E27FC236}">
-                  <a16:creationId xmlns:a16="http://schemas.microsoft.com/office/drawing/2014/main" id="{5AC355E4-0334-401E-8C1E-F7A7C94F53A7}"/>
+                  <a16:creationId xmlns:a16="http://schemas.microsoft.com/office/drawing/2014/main" id="{B142C444-453F-4ED7-A7E7-B77CBD1FC469}"/>
                 </a:ext>
               </a:extLst>
             </p:cNvPr>
@@ -4345,14 +4606,18 @@
           </p:nvSpPr>
           <p:spPr>
             <a:xfrm>
-              <a:off x="0" y="239087"/>
-              <a:ext cx="12356983" cy="6379828"/>
+              <a:off x="435389" y="881110"/>
+              <a:ext cx="9044171" cy="1625652"/>
             </a:xfrm>
             <a:prstGeom prst="rect">
               <a:avLst/>
             </a:prstGeom>
             <a:noFill/>
-            <a:ln w="38100"/>
+            <a:ln w="19050">
+              <a:solidFill>
+                <a:schemeClr val="accent6"/>
+              </a:solidFill>
+            </a:ln>
           </p:spPr>
           <p:style>
             <a:lnRef idx="2">
@@ -4375,66 +4640,16 @@
             <a:lstStyle/>
             <a:p>
               <a:pPr algn="ctr"/>
-              <a:endParaRPr lang="ko-KR" altLang="en-US"/>
+              <a:endParaRPr lang="ko-KR" altLang="en-US" dirty="0"/>
             </a:p>
           </p:txBody>
         </p:sp>
         <p:sp>
           <p:nvSpPr>
-            <p:cNvPr id="59" name="TextBox 58">
+            <p:cNvPr id="37" name="직사각형 36">
               <a:extLst>
                 <a:ext uri="{FF2B5EF4-FFF2-40B4-BE49-F238E27FC236}">
-                  <a16:creationId xmlns:a16="http://schemas.microsoft.com/office/drawing/2014/main" id="{0F962A47-A3B0-4417-8B8B-AE4037AA0A8D}"/>
-                </a:ext>
-              </a:extLst>
-            </p:cNvPr>
-            <p:cNvSpPr txBox="1"/>
-            <p:nvPr/>
-          </p:nvSpPr>
-          <p:spPr>
-            <a:xfrm>
-              <a:off x="642954" y="58723"/>
-              <a:ext cx="1308050" cy="369332"/>
-            </a:xfrm>
-            <a:prstGeom prst="rect">
-              <a:avLst/>
-            </a:prstGeom>
-            <a:solidFill>
-              <a:schemeClr val="bg1"/>
-            </a:solidFill>
-          </p:spPr>
-          <p:txBody>
-            <a:bodyPr wrap="none" rtlCol="0">
-              <a:spAutoFit/>
-            </a:bodyPr>
-            <a:lstStyle/>
-            <a:p>
-              <a:r>
-                <a:rPr lang="en-US" altLang="ko-KR" b="1" dirty="0">
-                  <a:solidFill>
-                    <a:schemeClr val="accent1">
-                      <a:lumMod val="50000"/>
-                    </a:schemeClr>
-                  </a:solidFill>
-                </a:rPr>
-                <a:t>Total Data</a:t>
-              </a:r>
-              <a:endParaRPr lang="ko-KR" altLang="en-US" b="1" dirty="0">
-                <a:solidFill>
-                  <a:schemeClr val="accent1">
-                    <a:lumMod val="50000"/>
-                  </a:schemeClr>
-                </a:solidFill>
-              </a:endParaRPr>
-            </a:p>
-          </p:txBody>
-        </p:sp>
-        <p:sp>
-          <p:nvSpPr>
-            <p:cNvPr id="60" name="직사각형 59">
-              <a:extLst>
-                <a:ext uri="{FF2B5EF4-FFF2-40B4-BE49-F238E27FC236}">
-                  <a16:creationId xmlns:a16="http://schemas.microsoft.com/office/drawing/2014/main" id="{3282AE50-41EE-41F3-A4C4-E8E734C145E3}"/>
+                  <a16:creationId xmlns:a16="http://schemas.microsoft.com/office/drawing/2014/main" id="{D7DD3355-438E-4FC8-AC55-971DAD6DCE5B}"/>
                 </a:ext>
               </a:extLst>
             </p:cNvPr>
@@ -4443,16 +4658,16 @@
           </p:nvSpPr>
           <p:spPr>
             <a:xfrm>
-              <a:off x="234892" y="608419"/>
-              <a:ext cx="11769754" cy="3537453"/>
+              <a:off x="435389" y="3431180"/>
+              <a:ext cx="9044171" cy="591579"/>
             </a:xfrm>
             <a:prstGeom prst="rect">
               <a:avLst/>
             </a:prstGeom>
             <a:noFill/>
-            <a:ln w="38100">
+            <a:ln w="19050">
               <a:solidFill>
-                <a:schemeClr val="accent2"/>
+                <a:schemeClr val="accent6"/>
               </a:solidFill>
             </a:ln>
           </p:spPr>
@@ -4483,10 +4698,10 @@
         </p:sp>
         <p:sp>
           <p:nvSpPr>
-            <p:cNvPr id="61" name="TextBox 60">
+            <p:cNvPr id="2" name="TextBox 1">
               <a:extLst>
                 <a:ext uri="{FF2B5EF4-FFF2-40B4-BE49-F238E27FC236}">
-                  <a16:creationId xmlns:a16="http://schemas.microsoft.com/office/drawing/2014/main" id="{BC7BC59B-EE5E-4365-B647-301FCD7F16E8}"/>
+                  <a16:creationId xmlns:a16="http://schemas.microsoft.com/office/drawing/2014/main" id="{F8782609-26CF-4430-B37E-4C5F9D788BD0}"/>
                 </a:ext>
               </a:extLst>
             </p:cNvPr>
@@ -4495,8 +4710,8 @@
           </p:nvSpPr>
           <p:spPr>
             <a:xfrm>
-              <a:off x="1294895" y="408988"/>
-              <a:ext cx="3169073" cy="369332"/>
+              <a:off x="2542514" y="727722"/>
+              <a:ext cx="1720984" cy="307777"/>
             </a:xfrm>
             <a:prstGeom prst="rect">
               <a:avLst/>
@@ -4512,145 +4727,16 @@
             <a:lstStyle/>
             <a:p>
               <a:r>
-                <a:rPr lang="en-US" altLang="ko-KR" b="1" dirty="0">
+                <a:rPr lang="en-US" altLang="ko-KR" sz="1400" dirty="0">
                   <a:solidFill>
-                    <a:schemeClr val="accent2"/>
+                    <a:schemeClr val="accent6"/>
                   </a:solidFill>
                 </a:rPr>
-                <a:t>Current model's input data</a:t>
+                <a:t>2-6hour prediction</a:t>
               </a:r>
-              <a:endParaRPr lang="ko-KR" altLang="en-US" b="1" dirty="0">
+              <a:endParaRPr lang="ko-KR" altLang="en-US" sz="1400" dirty="0">
                 <a:solidFill>
-                  <a:schemeClr val="accent2"/>
-                </a:solidFill>
-              </a:endParaRPr>
-            </a:p>
-          </p:txBody>
-        </p:sp>
-        <p:sp>
-          <p:nvSpPr>
-            <p:cNvPr id="62" name="TextBox 61">
-              <a:extLst>
-                <a:ext uri="{FF2B5EF4-FFF2-40B4-BE49-F238E27FC236}">
-                  <a16:creationId xmlns:a16="http://schemas.microsoft.com/office/drawing/2014/main" id="{06EA57EA-991C-4F97-A85D-1FC17FFF5CF8}"/>
-                </a:ext>
-              </a:extLst>
-            </p:cNvPr>
-            <p:cNvSpPr txBox="1"/>
-            <p:nvPr/>
-          </p:nvSpPr>
-          <p:spPr>
-            <a:xfrm>
-              <a:off x="9005407" y="3188930"/>
-              <a:ext cx="3049574" cy="892552"/>
-            </a:xfrm>
-            <a:prstGeom prst="rect">
-              <a:avLst/>
-            </a:prstGeom>
-            <a:noFill/>
-          </p:spPr>
-          <p:txBody>
-            <a:bodyPr wrap="square" rtlCol="0">
-              <a:spAutoFit/>
-            </a:bodyPr>
-            <a:lstStyle/>
-            <a:p>
-              <a:r>
-                <a:rPr lang="ko-KR" altLang="en-US" sz="1200" dirty="0">
-                  <a:solidFill>
-                    <a:schemeClr val="accent2"/>
-                  </a:solidFill>
-                </a:rPr>
-                <a:t>* </a:t>
-              </a:r>
-              <a:r>
-                <a:rPr lang="en-US" altLang="ko-KR" sz="1200" dirty="0">
-                  <a:solidFill>
-                    <a:schemeClr val="accent2"/>
-                  </a:solidFill>
-                </a:rPr>
-                <a:t>+</a:t>
-              </a:r>
-              <a:r>
-                <a:rPr lang="en-US" altLang="ko-KR" sz="1200" dirty="0">
-                  <a:solidFill>
-                    <a:schemeClr val="accent1"/>
-                  </a:solidFill>
-                </a:rPr>
-                <a:t> </a:t>
-              </a:r>
-              <a:r>
-                <a:rPr lang="en-US" altLang="ko-KR" sz="1200" b="1" dirty="0" err="1"/>
-                <a:t>arr_pred</a:t>
-              </a:r>
-              <a:r>
-                <a:rPr lang="en-US" altLang="ko-KR" sz="1200" b="1" dirty="0"/>
-                <a:t> </a:t>
-              </a:r>
-            </a:p>
-            <a:p>
-              <a:r>
-                <a:rPr lang="en-US" altLang="ko-KR" sz="1200" dirty="0">
-                  <a:solidFill>
-                    <a:schemeClr val="accent1"/>
-                  </a:solidFill>
-                </a:rPr>
-                <a:t>     (predicted AAR, only for Departure)</a:t>
-              </a:r>
-            </a:p>
-            <a:p>
-              <a:endParaRPr lang="en-US" altLang="ko-KR" sz="400" dirty="0">
-                <a:solidFill>
-                  <a:schemeClr val="accent1"/>
-                </a:solidFill>
-              </a:endParaRPr>
-            </a:p>
-            <a:p>
-              <a:r>
-                <a:rPr lang="en-US" altLang="ko-KR" sz="1200" dirty="0">
-                  <a:solidFill>
-                    <a:schemeClr val="accent1"/>
-                  </a:solidFill>
-                </a:rPr>
-                <a:t>  </a:t>
-              </a:r>
-              <a:r>
-                <a:rPr lang="en-US" altLang="ko-KR" sz="1200" dirty="0">
-                  <a:solidFill>
-                    <a:schemeClr val="accent2"/>
-                  </a:solidFill>
-                </a:rPr>
-                <a:t>+</a:t>
-              </a:r>
-              <a:r>
-                <a:rPr lang="en-US" altLang="ko-KR" sz="1200" dirty="0">
-                  <a:solidFill>
-                    <a:schemeClr val="accent1"/>
-                  </a:solidFill>
-                </a:rPr>
-                <a:t> </a:t>
-              </a:r>
-              <a:r>
-                <a:rPr lang="en-US" altLang="ko-KR" sz="1200" b="1" dirty="0" err="1"/>
-                <a:t>dep_pred</a:t>
-              </a:r>
-              <a:r>
-                <a:rPr lang="en-US" altLang="ko-KR" sz="1200" b="1" dirty="0"/>
-                <a:t> </a:t>
-              </a:r>
-            </a:p>
-            <a:p>
-              <a:r>
-                <a:rPr lang="en-US" altLang="ko-KR" sz="1200" dirty="0">
-                  <a:solidFill>
-                    <a:schemeClr val="accent1"/>
-                  </a:solidFill>
-                </a:rPr>
-                <a:t>     (predicted ADR, only for Arrival)</a:t>
-              </a:r>
-              <a:endParaRPr lang="ko-KR" altLang="en-US" sz="1200" dirty="0">
-                <a:solidFill>
-                  <a:schemeClr val="accent1"/>
+                  <a:schemeClr val="accent6"/>
                 </a:solidFill>
               </a:endParaRPr>
             </a:p>
@@ -6149,8 +6235,8 @@
           <a:chExt cx="0" cy="0"/>
         </a:xfrm>
       </p:grpSpPr>
-      <mc:AlternateContent xmlns:mc="http://schemas.openxmlformats.org/markup-compatibility/2006">
-        <mc:Choice xmlns:a14="http://schemas.microsoft.com/office/drawing/2010/main" Requires="a14">
+      <mc:AlternateContent xmlns:mc="http://schemas.openxmlformats.org/markup-compatibility/2006" xmlns:a14="http://schemas.microsoft.com/office/drawing/2010/main">
+        <mc:Choice Requires="a14">
           <p:graphicFrame>
             <p:nvGraphicFramePr>
               <p:cNvPr id="4" name="표 4">
@@ -6353,10 +6439,11 @@
                               <m:sSup>
                                 <m:sSupPr>
                                   <m:ctrlPr>
-                                    <a:rPr lang="en-US" altLang="ko-KR" smtClean="0">
+                                    <a:rPr lang="en-US" altLang="ko-KR" i="1" smtClean="0">
                                       <a:solidFill>
                                         <a:sysClr val="windowText" lastClr="000000"/>
                                       </a:solidFill>
+                                      <a:latin typeface="Cambria Math" panose="02040503050406030204" pitchFamily="18" charset="0"/>
                                     </a:rPr>
                                   </m:ctrlPr>
                                 </m:sSupPr>
@@ -6366,6 +6453,7 @@
                                       <a:solidFill>
                                         <a:sysClr val="windowText" lastClr="000000"/>
                                       </a:solidFill>
+                                      <a:latin typeface="Cambria Math" panose="02040503050406030204" pitchFamily="18" charset="0"/>
                                     </a:rPr>
                                     <m:t>𝑹</m:t>
                                   </m:r>
@@ -6376,6 +6464,7 @@
                                       <a:solidFill>
                                         <a:sysClr val="windowText" lastClr="000000"/>
                                       </a:solidFill>
+                                      <a:latin typeface="Cambria Math" panose="02040503050406030204" pitchFamily="18" charset="0"/>
                                     </a:rPr>
                                     <m:t>𝟐</m:t>
                                   </m:r>
@@ -6431,10 +6520,11 @@
                               <m:sSup>
                                 <m:sSupPr>
                                   <m:ctrlPr>
-                                    <a:rPr lang="en-US" altLang="ko-KR" smtClean="0">
+                                    <a:rPr lang="en-US" altLang="ko-KR" i="1" smtClean="0">
                                       <a:solidFill>
                                         <a:sysClr val="windowText" lastClr="000000"/>
                                       </a:solidFill>
+                                      <a:latin typeface="Cambria Math" panose="02040503050406030204" pitchFamily="18" charset="0"/>
                                     </a:rPr>
                                   </m:ctrlPr>
                                 </m:sSupPr>
@@ -6444,6 +6534,7 @@
                                       <a:solidFill>
                                         <a:sysClr val="windowText" lastClr="000000"/>
                                       </a:solidFill>
+                                      <a:latin typeface="Cambria Math" panose="02040503050406030204" pitchFamily="18" charset="0"/>
                                     </a:rPr>
                                     <m:t>𝑹</m:t>
                                   </m:r>
@@ -6454,6 +6545,7 @@
                                       <a:solidFill>
                                         <a:sysClr val="windowText" lastClr="000000"/>
                                       </a:solidFill>
+                                      <a:latin typeface="Cambria Math" panose="02040503050406030204" pitchFamily="18" charset="0"/>
                                     </a:rPr>
                                     <m:t>𝟐</m:t>
                                   </m:r>
@@ -7385,7 +7477,7 @@
             </a:graphic>
           </p:graphicFrame>
         </mc:Choice>
-        <mc:Fallback>
+        <mc:Fallback xmlns="">
           <p:graphicFrame>
             <p:nvGraphicFramePr>
               <p:cNvPr id="4" name="표 4">
